--- a/Security/Content/Documents/Security.pptx
+++ b/Security/Content/Documents/Security.pptx
@@ -15,6 +15,7 @@
     <p:sldId id="264" r:id="rId9"/>
     <p:sldId id="261" r:id="rId10"/>
     <p:sldId id="265" r:id="rId11"/>
+    <p:sldId id="266" r:id="rId12"/>
   </p:sldIdLst>
   <p:sldSz cx="9144000" cy="6858000" type="screen4x3"/>
   <p:notesSz cx="6858000" cy="9144000"/>
@@ -297,7 +298,7 @@
           <a:p>
             <a:fld id="{C5BCB02B-97BC-49AD-89C1-137F41ABB076}" type="datetimeFigureOut">
               <a:rPr lang="en-US" smtClean="0"/>
-              <a:t>6/23/2015</a:t>
+              <a:t>6/24/2015</a:t>
             </a:fld>
             <a:endParaRPr lang="en-US"/>
           </a:p>
@@ -467,7 +468,7 @@
           <a:p>
             <a:fld id="{C5BCB02B-97BC-49AD-89C1-137F41ABB076}" type="datetimeFigureOut">
               <a:rPr lang="en-US" smtClean="0"/>
-              <a:t>6/23/2015</a:t>
+              <a:t>6/24/2015</a:t>
             </a:fld>
             <a:endParaRPr lang="en-US"/>
           </a:p>
@@ -647,7 +648,7 @@
           <a:p>
             <a:fld id="{C5BCB02B-97BC-49AD-89C1-137F41ABB076}" type="datetimeFigureOut">
               <a:rPr lang="en-US" smtClean="0"/>
-              <a:t>6/23/2015</a:t>
+              <a:t>6/24/2015</a:t>
             </a:fld>
             <a:endParaRPr lang="en-US"/>
           </a:p>
@@ -817,7 +818,7 @@
           <a:p>
             <a:fld id="{C5BCB02B-97BC-49AD-89C1-137F41ABB076}" type="datetimeFigureOut">
               <a:rPr lang="en-US" smtClean="0"/>
-              <a:t>6/23/2015</a:t>
+              <a:t>6/24/2015</a:t>
             </a:fld>
             <a:endParaRPr lang="en-US"/>
           </a:p>
@@ -1063,7 +1064,7 @@
           <a:p>
             <a:fld id="{C5BCB02B-97BC-49AD-89C1-137F41ABB076}" type="datetimeFigureOut">
               <a:rPr lang="en-US" smtClean="0"/>
-              <a:t>6/23/2015</a:t>
+              <a:t>6/24/2015</a:t>
             </a:fld>
             <a:endParaRPr lang="en-US"/>
           </a:p>
@@ -1351,7 +1352,7 @@
           <a:p>
             <a:fld id="{C5BCB02B-97BC-49AD-89C1-137F41ABB076}" type="datetimeFigureOut">
               <a:rPr lang="en-US" smtClean="0"/>
-              <a:t>6/23/2015</a:t>
+              <a:t>6/24/2015</a:t>
             </a:fld>
             <a:endParaRPr lang="en-US"/>
           </a:p>
@@ -1773,7 +1774,7 @@
           <a:p>
             <a:fld id="{C5BCB02B-97BC-49AD-89C1-137F41ABB076}" type="datetimeFigureOut">
               <a:rPr lang="en-US" smtClean="0"/>
-              <a:t>6/23/2015</a:t>
+              <a:t>6/24/2015</a:t>
             </a:fld>
             <a:endParaRPr lang="en-US"/>
           </a:p>
@@ -1891,7 +1892,7 @@
           <a:p>
             <a:fld id="{C5BCB02B-97BC-49AD-89C1-137F41ABB076}" type="datetimeFigureOut">
               <a:rPr lang="en-US" smtClean="0"/>
-              <a:t>6/23/2015</a:t>
+              <a:t>6/24/2015</a:t>
             </a:fld>
             <a:endParaRPr lang="en-US"/>
           </a:p>
@@ -1986,7 +1987,7 @@
           <a:p>
             <a:fld id="{C5BCB02B-97BC-49AD-89C1-137F41ABB076}" type="datetimeFigureOut">
               <a:rPr lang="en-US" smtClean="0"/>
-              <a:t>6/23/2015</a:t>
+              <a:t>6/24/2015</a:t>
             </a:fld>
             <a:endParaRPr lang="en-US"/>
           </a:p>
@@ -2263,7 +2264,7 @@
           <a:p>
             <a:fld id="{C5BCB02B-97BC-49AD-89C1-137F41ABB076}" type="datetimeFigureOut">
               <a:rPr lang="en-US" smtClean="0"/>
-              <a:t>6/23/2015</a:t>
+              <a:t>6/24/2015</a:t>
             </a:fld>
             <a:endParaRPr lang="en-US"/>
           </a:p>
@@ -2516,7 +2517,7 @@
           <a:p>
             <a:fld id="{C5BCB02B-97BC-49AD-89C1-137F41ABB076}" type="datetimeFigureOut">
               <a:rPr lang="en-US" smtClean="0"/>
-              <a:t>6/23/2015</a:t>
+              <a:t>6/24/2015</a:t>
             </a:fld>
             <a:endParaRPr lang="en-US"/>
           </a:p>
@@ -2729,7 +2730,7 @@
           <a:p>
             <a:fld id="{C5BCB02B-97BC-49AD-89C1-137F41ABB076}" type="datetimeFigureOut">
               <a:rPr lang="en-US" smtClean="0"/>
-              <a:t>6/23/2015</a:t>
+              <a:t>6/24/2015</a:t>
             </a:fld>
             <a:endParaRPr lang="en-US"/>
           </a:p>
@@ -3312,6 +3313,105 @@
     <p:extLst>
       <p:ext uri="{BB962C8B-B14F-4D97-AF65-F5344CB8AC3E}">
         <p14:creationId xmlns:p14="http://schemas.microsoft.com/office/powerpoint/2010/main" val="2407966952"/>
+      </p:ext>
+    </p:extLst>
+  </p:cSld>
+  <p:clrMapOvr>
+    <a:masterClrMapping/>
+  </p:clrMapOvr>
+</p:sld>
+</file>
+
+<file path=ppt/slides/slide11.xml><?xml version="1.0" encoding="utf-8"?>
+<p:sld xmlns:a="http://schemas.openxmlformats.org/drawingml/2006/main" xmlns:r="http://schemas.openxmlformats.org/officeDocument/2006/relationships" xmlns:p="http://schemas.openxmlformats.org/presentationml/2006/main">
+  <p:cSld>
+    <p:spTree>
+      <p:nvGrpSpPr>
+        <p:cNvPr id="1" name=""/>
+        <p:cNvGrpSpPr/>
+        <p:nvPr/>
+      </p:nvGrpSpPr>
+      <p:grpSpPr>
+        <a:xfrm>
+          <a:off x="0" y="0"/>
+          <a:ext cx="0" cy="0"/>
+          <a:chOff x="0" y="0"/>
+          <a:chExt cx="0" cy="0"/>
+        </a:xfrm>
+      </p:grpSpPr>
+      <p:sp>
+        <p:nvSpPr>
+          <p:cNvPr id="2" name="Title 1"/>
+          <p:cNvSpPr>
+            <a:spLocks noGrp="1"/>
+          </p:cNvSpPr>
+          <p:nvPr>
+            <p:ph type="title"/>
+          </p:nvPr>
+        </p:nvSpPr>
+        <p:spPr/>
+        <p:txBody>
+          <a:bodyPr/>
+          <a:lstStyle/>
+          <a:p>
+            <a:r>
+              <a:rPr lang="en-US" dirty="0" smtClean="0"/>
+              <a:t>Cross Site Request Forgery</a:t>
+            </a:r>
+            <a:endParaRPr lang="en-US" dirty="0"/>
+          </a:p>
+        </p:txBody>
+      </p:sp>
+      <p:sp>
+        <p:nvSpPr>
+          <p:cNvPr id="3" name="Content Placeholder 2"/>
+          <p:cNvSpPr>
+            <a:spLocks noGrp="1"/>
+          </p:cNvSpPr>
+          <p:nvPr>
+            <p:ph idx="1"/>
+          </p:nvPr>
+        </p:nvSpPr>
+        <p:spPr/>
+        <p:txBody>
+          <a:bodyPr/>
+          <a:lstStyle/>
+          <a:p>
+            <a:r>
+              <a:rPr lang="en-US" dirty="0"/>
+              <a:t>HTTP </a:t>
+            </a:r>
+            <a:r>
+              <a:rPr lang="en-US" dirty="0" err="1" smtClean="0"/>
+              <a:t>referer</a:t>
+            </a:r>
+            <a:endParaRPr lang="en-US" dirty="0" smtClean="0"/>
+          </a:p>
+          <a:p>
+            <a:r>
+              <a:rPr lang="en-US" dirty="0" smtClean="0"/>
+              <a:t>CAPTCHA</a:t>
+            </a:r>
+          </a:p>
+          <a:p>
+            <a:r>
+              <a:rPr lang="en-US" dirty="0" smtClean="0"/>
+              <a:t>Re-Authentication</a:t>
+            </a:r>
+          </a:p>
+          <a:p>
+            <a:r>
+              <a:rPr lang="en-US" dirty="0" smtClean="0"/>
+              <a:t>Synchronizer Token Pattern</a:t>
+            </a:r>
+            <a:endParaRPr lang="en-US" dirty="0"/>
+          </a:p>
+        </p:txBody>
+      </p:sp>
+    </p:spTree>
+    <p:extLst>
+      <p:ext uri="{BB962C8B-B14F-4D97-AF65-F5344CB8AC3E}">
+        <p14:creationId xmlns:p14="http://schemas.microsoft.com/office/powerpoint/2010/main" val="1874201289"/>
       </p:ext>
     </p:extLst>
   </p:cSld>

--- a/Security/Content/Documents/Security.pptx
+++ b/Security/Content/Documents/Security.pptx
@@ -14,8 +14,10 @@
     <p:sldId id="259" r:id="rId8"/>
     <p:sldId id="264" r:id="rId9"/>
     <p:sldId id="261" r:id="rId10"/>
-    <p:sldId id="265" r:id="rId11"/>
-    <p:sldId id="266" r:id="rId12"/>
+    <p:sldId id="266" r:id="rId11"/>
+    <p:sldId id="267" r:id="rId12"/>
+    <p:sldId id="265" r:id="rId13"/>
+    <p:sldId id="268" r:id="rId14"/>
   </p:sldIdLst>
   <p:sldSz cx="9144000" cy="6858000" type="screen4x3"/>
   <p:notesSz cx="6858000" cy="9144000"/>
@@ -298,7 +300,7 @@
           <a:p>
             <a:fld id="{C5BCB02B-97BC-49AD-89C1-137F41ABB076}" type="datetimeFigureOut">
               <a:rPr lang="en-US" smtClean="0"/>
-              <a:t>6/24/2015</a:t>
+              <a:t>6/29/2015</a:t>
             </a:fld>
             <a:endParaRPr lang="en-US"/>
           </a:p>
@@ -468,7 +470,7 @@
           <a:p>
             <a:fld id="{C5BCB02B-97BC-49AD-89C1-137F41ABB076}" type="datetimeFigureOut">
               <a:rPr lang="en-US" smtClean="0"/>
-              <a:t>6/24/2015</a:t>
+              <a:t>6/29/2015</a:t>
             </a:fld>
             <a:endParaRPr lang="en-US"/>
           </a:p>
@@ -648,7 +650,7 @@
           <a:p>
             <a:fld id="{C5BCB02B-97BC-49AD-89C1-137F41ABB076}" type="datetimeFigureOut">
               <a:rPr lang="en-US" smtClean="0"/>
-              <a:t>6/24/2015</a:t>
+              <a:t>6/29/2015</a:t>
             </a:fld>
             <a:endParaRPr lang="en-US"/>
           </a:p>
@@ -818,7 +820,7 @@
           <a:p>
             <a:fld id="{C5BCB02B-97BC-49AD-89C1-137F41ABB076}" type="datetimeFigureOut">
               <a:rPr lang="en-US" smtClean="0"/>
-              <a:t>6/24/2015</a:t>
+              <a:t>6/29/2015</a:t>
             </a:fld>
             <a:endParaRPr lang="en-US"/>
           </a:p>
@@ -1064,7 +1066,7 @@
           <a:p>
             <a:fld id="{C5BCB02B-97BC-49AD-89C1-137F41ABB076}" type="datetimeFigureOut">
               <a:rPr lang="en-US" smtClean="0"/>
-              <a:t>6/24/2015</a:t>
+              <a:t>6/29/2015</a:t>
             </a:fld>
             <a:endParaRPr lang="en-US"/>
           </a:p>
@@ -1352,7 +1354,7 @@
           <a:p>
             <a:fld id="{C5BCB02B-97BC-49AD-89C1-137F41ABB076}" type="datetimeFigureOut">
               <a:rPr lang="en-US" smtClean="0"/>
-              <a:t>6/24/2015</a:t>
+              <a:t>6/29/2015</a:t>
             </a:fld>
             <a:endParaRPr lang="en-US"/>
           </a:p>
@@ -1774,7 +1776,7 @@
           <a:p>
             <a:fld id="{C5BCB02B-97BC-49AD-89C1-137F41ABB076}" type="datetimeFigureOut">
               <a:rPr lang="en-US" smtClean="0"/>
-              <a:t>6/24/2015</a:t>
+              <a:t>6/29/2015</a:t>
             </a:fld>
             <a:endParaRPr lang="en-US"/>
           </a:p>
@@ -1892,7 +1894,7 @@
           <a:p>
             <a:fld id="{C5BCB02B-97BC-49AD-89C1-137F41ABB076}" type="datetimeFigureOut">
               <a:rPr lang="en-US" smtClean="0"/>
-              <a:t>6/24/2015</a:t>
+              <a:t>6/29/2015</a:t>
             </a:fld>
             <a:endParaRPr lang="en-US"/>
           </a:p>
@@ -1987,7 +1989,7 @@
           <a:p>
             <a:fld id="{C5BCB02B-97BC-49AD-89C1-137F41ABB076}" type="datetimeFigureOut">
               <a:rPr lang="en-US" smtClean="0"/>
-              <a:t>6/24/2015</a:t>
+              <a:t>6/29/2015</a:t>
             </a:fld>
             <a:endParaRPr lang="en-US"/>
           </a:p>
@@ -2264,7 +2266,7 @@
           <a:p>
             <a:fld id="{C5BCB02B-97BC-49AD-89C1-137F41ABB076}" type="datetimeFigureOut">
               <a:rPr lang="en-US" smtClean="0"/>
-              <a:t>6/24/2015</a:t>
+              <a:t>6/29/2015</a:t>
             </a:fld>
             <a:endParaRPr lang="en-US"/>
           </a:p>
@@ -2517,7 +2519,7 @@
           <a:p>
             <a:fld id="{C5BCB02B-97BC-49AD-89C1-137F41ABB076}" type="datetimeFigureOut">
               <a:rPr lang="en-US" smtClean="0"/>
-              <a:t>6/24/2015</a:t>
+              <a:t>6/29/2015</a:t>
             </a:fld>
             <a:endParaRPr lang="en-US"/>
           </a:p>
@@ -2730,7 +2732,7 @@
           <a:p>
             <a:fld id="{C5BCB02B-97BC-49AD-89C1-137F41ABB076}" type="datetimeFigureOut">
               <a:rPr lang="en-US" smtClean="0"/>
-              <a:t>6/24/2015</a:t>
+              <a:t>6/29/2015</a:t>
             </a:fld>
             <a:endParaRPr lang="en-US"/>
           </a:p>
@@ -3258,7 +3260,7 @@
           <a:p>
             <a:r>
               <a:rPr lang="en-US" dirty="0" smtClean="0"/>
-              <a:t>General Best Practices</a:t>
+              <a:t>Cross Site Request Forgery</a:t>
             </a:r>
             <a:endParaRPr lang="en-US" dirty="0"/>
           </a:p>
@@ -3281,38 +3283,52 @@
           <a:p>
             <a:r>
               <a:rPr lang="en-US" dirty="0" smtClean="0"/>
-              <a:t>Don’t give away information - “Your password is invalid” or “username not found”</a:t>
-            </a:r>
+              <a:t>When a </a:t>
+            </a:r>
+            <a:r>
+              <a:rPr lang="en-US" dirty="0"/>
+              <a:t>program causes a user's Web browser to perform an unwanted action on a trusted </a:t>
+            </a:r>
+            <a:r>
+              <a:rPr lang="en-US" b="1" dirty="0"/>
+              <a:t>site</a:t>
+            </a:r>
+            <a:r>
+              <a:rPr lang="en-US" dirty="0"/>
+              <a:t> for which the user is currently authenticated</a:t>
+            </a:r>
+            <a:endParaRPr lang="en-US" dirty="0" smtClean="0"/>
           </a:p>
           <a:p>
             <a:r>
               <a:rPr lang="en-US" dirty="0" smtClean="0"/>
-              <a:t>Don’t be predictable - admin/admin</a:t>
-            </a:r>
+              <a:t>HTTP </a:t>
+            </a:r>
+            <a:r>
+              <a:rPr lang="en-US" dirty="0" err="1" smtClean="0"/>
+              <a:t>referer</a:t>
+            </a:r>
+            <a:endParaRPr lang="en-US" dirty="0" smtClean="0"/>
           </a:p>
           <a:p>
             <a:r>
               <a:rPr lang="en-US" dirty="0" smtClean="0"/>
-              <a:t>Always change default creds – </a:t>
-            </a:r>
-            <a:r>
-              <a:rPr lang="en-US" dirty="0" err="1" smtClean="0"/>
-              <a:t>sa</a:t>
-            </a:r>
+              <a:t>CAPTCHA</a:t>
+            </a:r>
+          </a:p>
+          <a:p>
             <a:r>
               <a:rPr lang="en-US" dirty="0" smtClean="0"/>
-              <a:t>/””</a:t>
-            </a:r>
-          </a:p>
-          <a:p>
-            <a:endParaRPr lang="en-US" dirty="0"/>
+              <a:t>Re-Authentication (Like amazon.com)</a:t>
+            </a:r>
+            <a:endParaRPr lang="en-US" dirty="0" smtClean="0"/>
           </a:p>
         </p:txBody>
       </p:sp>
     </p:spTree>
     <p:extLst>
       <p:ext uri="{BB962C8B-B14F-4D97-AF65-F5344CB8AC3E}">
-        <p14:creationId xmlns:p14="http://schemas.microsoft.com/office/powerpoint/2010/main" val="2407966952"/>
+        <p14:creationId xmlns:p14="http://schemas.microsoft.com/office/powerpoint/2010/main" val="1874201289"/>
       </p:ext>
     </p:extLst>
   </p:cSld>
@@ -3356,7 +3372,7 @@
           <a:p>
             <a:r>
               <a:rPr lang="en-US" dirty="0" smtClean="0"/>
-              <a:t>Cross Site Request Forgery</a:t>
+              <a:t>Clickjacking</a:t>
             </a:r>
             <a:endParaRPr lang="en-US" dirty="0"/>
           </a:p>
@@ -3379,30 +3395,23 @@
           <a:p>
             <a:r>
               <a:rPr lang="en-US" dirty="0"/>
-              <a:t>HTTP </a:t>
-            </a:r>
-            <a:r>
-              <a:rPr lang="en-US" dirty="0" err="1" smtClean="0"/>
-              <a:t>referer</a:t>
-            </a:r>
-            <a:endParaRPr lang="en-US" dirty="0" smtClean="0"/>
-          </a:p>
-          <a:p>
+              <a:t>the malicious practice of manipulating a website user's activity by concealing hyperlinks beneath legitimate clickable content, thereby causing the user to perform actions of which they are </a:t>
+            </a:r>
             <a:r>
               <a:rPr lang="en-US" dirty="0" smtClean="0"/>
-              <a:t>CAPTCHA</a:t>
+              <a:t>unaware.</a:t>
             </a:r>
           </a:p>
           <a:p>
             <a:r>
               <a:rPr lang="en-US" dirty="0" smtClean="0"/>
-              <a:t>Re-Authentication</a:t>
+              <a:t>Lets see it!</a:t>
             </a:r>
           </a:p>
           <a:p>
             <a:r>
               <a:rPr lang="en-US" dirty="0" smtClean="0"/>
-              <a:t>Synchronizer Token Pattern</a:t>
+              <a:t>Lets prevent it!</a:t>
             </a:r>
             <a:endParaRPr lang="en-US" dirty="0"/>
           </a:p>
@@ -3411,7 +3420,181 @@
     </p:spTree>
     <p:extLst>
       <p:ext uri="{BB962C8B-B14F-4D97-AF65-F5344CB8AC3E}">
-        <p14:creationId xmlns:p14="http://schemas.microsoft.com/office/powerpoint/2010/main" val="1874201289"/>
+        <p14:creationId xmlns:p14="http://schemas.microsoft.com/office/powerpoint/2010/main" val="2796542559"/>
+      </p:ext>
+    </p:extLst>
+  </p:cSld>
+  <p:clrMapOvr>
+    <a:masterClrMapping/>
+  </p:clrMapOvr>
+</p:sld>
+</file>
+
+<file path=ppt/slides/slide12.xml><?xml version="1.0" encoding="utf-8"?>
+<p:sld xmlns:a="http://schemas.openxmlformats.org/drawingml/2006/main" xmlns:r="http://schemas.openxmlformats.org/officeDocument/2006/relationships" xmlns:p="http://schemas.openxmlformats.org/presentationml/2006/main">
+  <p:cSld>
+    <p:spTree>
+      <p:nvGrpSpPr>
+        <p:cNvPr id="1" name=""/>
+        <p:cNvGrpSpPr/>
+        <p:nvPr/>
+      </p:nvGrpSpPr>
+      <p:grpSpPr>
+        <a:xfrm>
+          <a:off x="0" y="0"/>
+          <a:ext cx="0" cy="0"/>
+          <a:chOff x="0" y="0"/>
+          <a:chExt cx="0" cy="0"/>
+        </a:xfrm>
+      </p:grpSpPr>
+      <p:sp>
+        <p:nvSpPr>
+          <p:cNvPr id="2" name="Title 1"/>
+          <p:cNvSpPr>
+            <a:spLocks noGrp="1"/>
+          </p:cNvSpPr>
+          <p:nvPr>
+            <p:ph type="title"/>
+          </p:nvPr>
+        </p:nvSpPr>
+        <p:spPr/>
+        <p:txBody>
+          <a:bodyPr/>
+          <a:lstStyle/>
+          <a:p>
+            <a:r>
+              <a:rPr lang="en-US" dirty="0" smtClean="0"/>
+              <a:t>General Best Practices</a:t>
+            </a:r>
+            <a:endParaRPr lang="en-US" dirty="0"/>
+          </a:p>
+        </p:txBody>
+      </p:sp>
+      <p:sp>
+        <p:nvSpPr>
+          <p:cNvPr id="3" name="Content Placeholder 2"/>
+          <p:cNvSpPr>
+            <a:spLocks noGrp="1"/>
+          </p:cNvSpPr>
+          <p:nvPr>
+            <p:ph idx="1"/>
+          </p:nvPr>
+        </p:nvSpPr>
+        <p:spPr/>
+        <p:txBody>
+          <a:bodyPr/>
+          <a:lstStyle/>
+          <a:p>
+            <a:r>
+              <a:rPr lang="en-US" dirty="0" smtClean="0"/>
+              <a:t>Don’t give away information - “Your password is invalid” or “username not found”</a:t>
+            </a:r>
+          </a:p>
+          <a:p>
+            <a:r>
+              <a:rPr lang="en-US" dirty="0" smtClean="0"/>
+              <a:t>Don’t be predictable - admin/admin</a:t>
+            </a:r>
+          </a:p>
+          <a:p>
+            <a:r>
+              <a:rPr lang="en-US" dirty="0" smtClean="0"/>
+              <a:t>Always change default creds – </a:t>
+            </a:r>
+            <a:r>
+              <a:rPr lang="en-US" dirty="0" err="1" smtClean="0"/>
+              <a:t>sa</a:t>
+            </a:r>
+            <a:r>
+              <a:rPr lang="en-US" dirty="0" smtClean="0"/>
+              <a:t>/””</a:t>
+            </a:r>
+          </a:p>
+          <a:p>
+            <a:endParaRPr lang="en-US" dirty="0"/>
+          </a:p>
+        </p:txBody>
+      </p:sp>
+    </p:spTree>
+    <p:extLst>
+      <p:ext uri="{BB962C8B-B14F-4D97-AF65-F5344CB8AC3E}">
+        <p14:creationId xmlns:p14="http://schemas.microsoft.com/office/powerpoint/2010/main" val="2407966952"/>
+      </p:ext>
+    </p:extLst>
+  </p:cSld>
+  <p:clrMapOvr>
+    <a:masterClrMapping/>
+  </p:clrMapOvr>
+</p:sld>
+</file>
+
+<file path=ppt/slides/slide13.xml><?xml version="1.0" encoding="utf-8"?>
+<p:sld xmlns:a="http://schemas.openxmlformats.org/drawingml/2006/main" xmlns:r="http://schemas.openxmlformats.org/officeDocument/2006/relationships" xmlns:p="http://schemas.openxmlformats.org/presentationml/2006/main">
+  <p:cSld>
+    <p:spTree>
+      <p:nvGrpSpPr>
+        <p:cNvPr id="1" name=""/>
+        <p:cNvGrpSpPr/>
+        <p:nvPr/>
+      </p:nvGrpSpPr>
+      <p:grpSpPr>
+        <a:xfrm>
+          <a:off x="0" y="0"/>
+          <a:ext cx="0" cy="0"/>
+          <a:chOff x="0" y="0"/>
+          <a:chExt cx="0" cy="0"/>
+        </a:xfrm>
+      </p:grpSpPr>
+      <p:sp>
+        <p:nvSpPr>
+          <p:cNvPr id="2" name="Title 1"/>
+          <p:cNvSpPr>
+            <a:spLocks noGrp="1"/>
+          </p:cNvSpPr>
+          <p:nvPr>
+            <p:ph type="title"/>
+          </p:nvPr>
+        </p:nvSpPr>
+        <p:spPr/>
+        <p:txBody>
+          <a:bodyPr/>
+          <a:lstStyle/>
+          <a:p>
+            <a:r>
+              <a:rPr lang="en-US" dirty="0" smtClean="0"/>
+              <a:t>OWASP</a:t>
+            </a:r>
+            <a:endParaRPr lang="en-US" dirty="0"/>
+          </a:p>
+        </p:txBody>
+      </p:sp>
+      <p:sp>
+        <p:nvSpPr>
+          <p:cNvPr id="3" name="Content Placeholder 2"/>
+          <p:cNvSpPr>
+            <a:spLocks noGrp="1"/>
+          </p:cNvSpPr>
+          <p:nvPr>
+            <p:ph idx="1"/>
+          </p:nvPr>
+        </p:nvSpPr>
+        <p:spPr/>
+        <p:txBody>
+          <a:bodyPr/>
+          <a:lstStyle/>
+          <a:p>
+            <a:r>
+              <a:rPr lang="en-US"/>
+              <a:t>The Open Web Application Security Project</a:t>
+            </a:r>
+            <a:endParaRPr lang="en-US"/>
+          </a:p>
+        </p:txBody>
+      </p:sp>
+    </p:spTree>
+    <p:extLst>
+      <p:ext uri="{BB962C8B-B14F-4D97-AF65-F5344CB8AC3E}">
+        <p14:creationId xmlns:p14="http://schemas.microsoft.com/office/powerpoint/2010/main" val="2339420415"/>
       </p:ext>
     </p:extLst>
   </p:cSld>
@@ -3610,7 +3793,17 @@
           <a:p>
             <a:r>
               <a:rPr lang="en-US" b="1" dirty="0" smtClean="0"/>
-              <a:t>Federal Government – 4 million employees</a:t>
+              <a:t>Federal Government – 4 million </a:t>
+            </a:r>
+            <a:r>
+              <a:rPr lang="en-US" b="1" dirty="0" smtClean="0"/>
+              <a:t>employees</a:t>
+            </a:r>
+          </a:p>
+          <a:p>
+            <a:r>
+              <a:rPr lang="en-US" b="1" dirty="0" smtClean="0"/>
+              <a:t>Utah – 280,000 SSNs</a:t>
             </a:r>
             <a:endParaRPr lang="en-US" dirty="0"/>
           </a:p>

--- a/Security/Content/Documents/Security.pptx
+++ b/Security/Content/Documents/Security.pptx
@@ -18,6 +18,7 @@
     <p:sldId id="267" r:id="rId12"/>
     <p:sldId id="265" r:id="rId13"/>
     <p:sldId id="268" r:id="rId14"/>
+    <p:sldId id="269" r:id="rId15"/>
   </p:sldIdLst>
   <p:sldSz cx="9144000" cy="6858000" type="screen4x3"/>
   <p:notesSz cx="6858000" cy="9144000"/>
@@ -3584,10 +3585,42 @@
           <a:lstStyle/>
           <a:p>
             <a:r>
-              <a:rPr lang="en-US"/>
-              <a:t>The Open Web Application Security Project</a:t>
-            </a:r>
-            <a:endParaRPr lang="en-US"/>
+              <a:rPr lang="en-US" dirty="0"/>
+              <a:t>The Open Web Application Security </a:t>
+            </a:r>
+            <a:r>
+              <a:rPr lang="en-US" dirty="0" smtClean="0"/>
+              <a:t>Project</a:t>
+            </a:r>
+          </a:p>
+          <a:p>
+            <a:r>
+              <a:rPr lang="en-US" dirty="0">
+                <a:hlinkClick r:id="rId2"/>
+              </a:rPr>
+              <a:t>https://</a:t>
+            </a:r>
+            <a:r>
+              <a:rPr lang="en-US" dirty="0" smtClean="0">
+                <a:hlinkClick r:id="rId2"/>
+              </a:rPr>
+              <a:t>www.owasp.org</a:t>
+            </a:r>
+            <a:endParaRPr lang="en-US" dirty="0" smtClean="0"/>
+          </a:p>
+          <a:p>
+            <a:r>
+              <a:rPr lang="en-US" dirty="0" smtClean="0"/>
+              <a:t>Core Purpose - </a:t>
+            </a:r>
+            <a:r>
+              <a:rPr lang="en-US" dirty="0"/>
+              <a:t>Be the thriving global community that drives visibility and evolution in the safety and security of the world’s software.</a:t>
+            </a:r>
+            <a:endParaRPr lang="en-US" dirty="0" smtClean="0"/>
+          </a:p>
+          <a:p>
+            <a:endParaRPr lang="en-US" dirty="0"/>
           </a:p>
         </p:txBody>
       </p:sp>
@@ -3595,6 +3628,78 @@
     <p:extLst>
       <p:ext uri="{BB962C8B-B14F-4D97-AF65-F5344CB8AC3E}">
         <p14:creationId xmlns:p14="http://schemas.microsoft.com/office/powerpoint/2010/main" val="2339420415"/>
+      </p:ext>
+    </p:extLst>
+  </p:cSld>
+  <p:clrMapOvr>
+    <a:masterClrMapping/>
+  </p:clrMapOvr>
+</p:sld>
+</file>
+
+<file path=ppt/slides/slide14.xml><?xml version="1.0" encoding="utf-8"?>
+<p:sld xmlns:a="http://schemas.openxmlformats.org/drawingml/2006/main" xmlns:r="http://schemas.openxmlformats.org/officeDocument/2006/relationships" xmlns:p="http://schemas.openxmlformats.org/presentationml/2006/main">
+  <p:cSld>
+    <p:spTree>
+      <p:nvGrpSpPr>
+        <p:cNvPr id="1" name=""/>
+        <p:cNvGrpSpPr/>
+        <p:nvPr/>
+      </p:nvGrpSpPr>
+      <p:grpSpPr>
+        <a:xfrm>
+          <a:off x="0" y="0"/>
+          <a:ext cx="0" cy="0"/>
+          <a:chOff x="0" y="0"/>
+          <a:chExt cx="0" cy="0"/>
+        </a:xfrm>
+      </p:grpSpPr>
+      <p:sp>
+        <p:nvSpPr>
+          <p:cNvPr id="2" name="Title 1"/>
+          <p:cNvSpPr>
+            <a:spLocks noGrp="1"/>
+          </p:cNvSpPr>
+          <p:nvPr>
+            <p:ph type="title"/>
+          </p:nvPr>
+        </p:nvSpPr>
+        <p:spPr/>
+        <p:txBody>
+          <a:bodyPr/>
+          <a:lstStyle/>
+          <a:p>
+            <a:r>
+              <a:rPr lang="en-US" dirty="0" smtClean="0"/>
+              <a:t>Authentication</a:t>
+            </a:r>
+            <a:endParaRPr lang="en-US" dirty="0"/>
+          </a:p>
+        </p:txBody>
+      </p:sp>
+      <p:sp>
+        <p:nvSpPr>
+          <p:cNvPr id="3" name="Content Placeholder 2"/>
+          <p:cNvSpPr>
+            <a:spLocks noGrp="1"/>
+          </p:cNvSpPr>
+          <p:nvPr>
+            <p:ph idx="1"/>
+          </p:nvPr>
+        </p:nvSpPr>
+        <p:spPr/>
+        <p:txBody>
+          <a:bodyPr/>
+          <a:lstStyle/>
+          <a:p>
+            <a:endParaRPr lang="en-US"/>
+          </a:p>
+        </p:txBody>
+      </p:sp>
+    </p:spTree>
+    <p:extLst>
+      <p:ext uri="{BB962C8B-B14F-4D97-AF65-F5344CB8AC3E}">
+        <p14:creationId xmlns:p14="http://schemas.microsoft.com/office/powerpoint/2010/main" val="3595273246"/>
       </p:ext>
     </p:extLst>
   </p:cSld>

--- a/Security/Content/Documents/Security.pptx
+++ b/Security/Content/Documents/Security.pptx
@@ -11,14 +11,17 @@
     <p:sldId id="260" r:id="rId5"/>
     <p:sldId id="262" r:id="rId6"/>
     <p:sldId id="263" r:id="rId7"/>
-    <p:sldId id="259" r:id="rId8"/>
-    <p:sldId id="264" r:id="rId9"/>
-    <p:sldId id="261" r:id="rId10"/>
-    <p:sldId id="266" r:id="rId11"/>
-    <p:sldId id="267" r:id="rId12"/>
-    <p:sldId id="265" r:id="rId13"/>
-    <p:sldId id="268" r:id="rId14"/>
-    <p:sldId id="269" r:id="rId15"/>
+    <p:sldId id="268" r:id="rId8"/>
+    <p:sldId id="259" r:id="rId9"/>
+    <p:sldId id="272" r:id="rId10"/>
+    <p:sldId id="264" r:id="rId11"/>
+    <p:sldId id="261" r:id="rId12"/>
+    <p:sldId id="270" r:id="rId13"/>
+    <p:sldId id="266" r:id="rId14"/>
+    <p:sldId id="267" r:id="rId15"/>
+    <p:sldId id="265" r:id="rId16"/>
+    <p:sldId id="269" r:id="rId17"/>
+    <p:sldId id="271" r:id="rId18"/>
   </p:sldIdLst>
   <p:sldSz cx="9144000" cy="6858000" type="screen4x3"/>
   <p:notesSz cx="6858000" cy="9144000"/>
@@ -301,7 +304,7 @@
           <a:p>
             <a:fld id="{C5BCB02B-97BC-49AD-89C1-137F41ABB076}" type="datetimeFigureOut">
               <a:rPr lang="en-US" smtClean="0"/>
-              <a:t>6/29/2015</a:t>
+              <a:t>6/30/2015</a:t>
             </a:fld>
             <a:endParaRPr lang="en-US"/>
           </a:p>
@@ -471,7 +474,7 @@
           <a:p>
             <a:fld id="{C5BCB02B-97BC-49AD-89C1-137F41ABB076}" type="datetimeFigureOut">
               <a:rPr lang="en-US" smtClean="0"/>
-              <a:t>6/29/2015</a:t>
+              <a:t>6/30/2015</a:t>
             </a:fld>
             <a:endParaRPr lang="en-US"/>
           </a:p>
@@ -651,7 +654,7 @@
           <a:p>
             <a:fld id="{C5BCB02B-97BC-49AD-89C1-137F41ABB076}" type="datetimeFigureOut">
               <a:rPr lang="en-US" smtClean="0"/>
-              <a:t>6/29/2015</a:t>
+              <a:t>6/30/2015</a:t>
             </a:fld>
             <a:endParaRPr lang="en-US"/>
           </a:p>
@@ -821,7 +824,7 @@
           <a:p>
             <a:fld id="{C5BCB02B-97BC-49AD-89C1-137F41ABB076}" type="datetimeFigureOut">
               <a:rPr lang="en-US" smtClean="0"/>
-              <a:t>6/29/2015</a:t>
+              <a:t>6/30/2015</a:t>
             </a:fld>
             <a:endParaRPr lang="en-US"/>
           </a:p>
@@ -1067,7 +1070,7 @@
           <a:p>
             <a:fld id="{C5BCB02B-97BC-49AD-89C1-137F41ABB076}" type="datetimeFigureOut">
               <a:rPr lang="en-US" smtClean="0"/>
-              <a:t>6/29/2015</a:t>
+              <a:t>6/30/2015</a:t>
             </a:fld>
             <a:endParaRPr lang="en-US"/>
           </a:p>
@@ -1355,7 +1358,7 @@
           <a:p>
             <a:fld id="{C5BCB02B-97BC-49AD-89C1-137F41ABB076}" type="datetimeFigureOut">
               <a:rPr lang="en-US" smtClean="0"/>
-              <a:t>6/29/2015</a:t>
+              <a:t>6/30/2015</a:t>
             </a:fld>
             <a:endParaRPr lang="en-US"/>
           </a:p>
@@ -1777,7 +1780,7 @@
           <a:p>
             <a:fld id="{C5BCB02B-97BC-49AD-89C1-137F41ABB076}" type="datetimeFigureOut">
               <a:rPr lang="en-US" smtClean="0"/>
-              <a:t>6/29/2015</a:t>
+              <a:t>6/30/2015</a:t>
             </a:fld>
             <a:endParaRPr lang="en-US"/>
           </a:p>
@@ -1895,7 +1898,7 @@
           <a:p>
             <a:fld id="{C5BCB02B-97BC-49AD-89C1-137F41ABB076}" type="datetimeFigureOut">
               <a:rPr lang="en-US" smtClean="0"/>
-              <a:t>6/29/2015</a:t>
+              <a:t>6/30/2015</a:t>
             </a:fld>
             <a:endParaRPr lang="en-US"/>
           </a:p>
@@ -1990,7 +1993,7 @@
           <a:p>
             <a:fld id="{C5BCB02B-97BC-49AD-89C1-137F41ABB076}" type="datetimeFigureOut">
               <a:rPr lang="en-US" smtClean="0"/>
-              <a:t>6/29/2015</a:t>
+              <a:t>6/30/2015</a:t>
             </a:fld>
             <a:endParaRPr lang="en-US"/>
           </a:p>
@@ -2267,7 +2270,7 @@
           <a:p>
             <a:fld id="{C5BCB02B-97BC-49AD-89C1-137F41ABB076}" type="datetimeFigureOut">
               <a:rPr lang="en-US" smtClean="0"/>
-              <a:t>6/29/2015</a:t>
+              <a:t>6/30/2015</a:t>
             </a:fld>
             <a:endParaRPr lang="en-US"/>
           </a:p>
@@ -2520,7 +2523,7 @@
           <a:p>
             <a:fld id="{C5BCB02B-97BC-49AD-89C1-137F41ABB076}" type="datetimeFigureOut">
               <a:rPr lang="en-US" smtClean="0"/>
-              <a:t>6/29/2015</a:t>
+              <a:t>6/30/2015</a:t>
             </a:fld>
             <a:endParaRPr lang="en-US"/>
           </a:p>
@@ -2733,7 +2736,7 @@
           <a:p>
             <a:fld id="{C5BCB02B-97BC-49AD-89C1-137F41ABB076}" type="datetimeFigureOut">
               <a:rPr lang="en-US" smtClean="0"/>
-              <a:t>6/29/2015</a:t>
+              <a:t>6/30/2015</a:t>
             </a:fld>
             <a:endParaRPr lang="en-US"/>
           </a:p>
@@ -3261,7 +3264,7 @@
           <a:p>
             <a:r>
               <a:rPr lang="en-US" dirty="0" smtClean="0"/>
-              <a:t>Cross Site Request Forgery</a:t>
+              <a:t>Cross Site Scripting (XSS)</a:t>
             </a:r>
             <a:endParaRPr lang="en-US" dirty="0"/>
           </a:p>
@@ -3284,43 +3287,45 @@
           <a:p>
             <a:r>
               <a:rPr lang="en-US" dirty="0" smtClean="0"/>
-              <a:t>When a </a:t>
-            </a:r>
-            <a:r>
-              <a:rPr lang="en-US" dirty="0"/>
-              <a:t>program causes a user's Web browser to perform an unwanted action on a trusted </a:t>
-            </a:r>
-            <a:r>
-              <a:rPr lang="en-US" b="1" dirty="0"/>
-              <a:t>site</a:t>
-            </a:r>
-            <a:r>
-              <a:rPr lang="en-US" dirty="0"/>
-              <a:t> for which the user is currently authenticated</a:t>
+              <a:t>XSS – Injecting client-side script into a site.</a:t>
+            </a:r>
+          </a:p>
+          <a:p>
+            <a:r>
+              <a:rPr lang="en-US" dirty="0" smtClean="0"/>
+              <a:t>Why is it dangerous? </a:t>
+            </a:r>
+            <a:endParaRPr lang="en-US" dirty="0"/>
+          </a:p>
+          <a:p>
+            <a:r>
+              <a:rPr lang="en-US" dirty="0" smtClean="0">
+                <a:hlinkClick r:id="rId2"/>
+              </a:rPr>
+              <a:t>http</a:t>
+            </a:r>
+            <a:r>
+              <a:rPr lang="en-US" dirty="0">
+                <a:hlinkClick r:id="rId2"/>
+              </a:rPr>
+              <a:t>://testfire.net</a:t>
+            </a:r>
+            <a:r>
+              <a:rPr lang="en-US" dirty="0" smtClean="0">
+                <a:hlinkClick r:id="rId2"/>
+              </a:rPr>
+              <a:t>/</a:t>
             </a:r>
             <a:endParaRPr lang="en-US" dirty="0" smtClean="0"/>
           </a:p>
           <a:p>
             <a:r>
               <a:rPr lang="en-US" dirty="0" smtClean="0"/>
-              <a:t>HTTP </a:t>
-            </a:r>
-            <a:r>
-              <a:rPr lang="en-US" dirty="0" err="1" smtClean="0"/>
-              <a:t>referer</a:t>
-            </a:r>
-            <a:endParaRPr lang="en-US" dirty="0" smtClean="0"/>
-          </a:p>
-          <a:p>
-            <a:r>
-              <a:rPr lang="en-US" dirty="0" smtClean="0"/>
-              <a:t>CAPTCHA</a:t>
-            </a:r>
-          </a:p>
-          <a:p>
-            <a:r>
-              <a:rPr lang="en-US" dirty="0" smtClean="0"/>
-              <a:t>Re-Authentication (Like amazon.com)</a:t>
+              <a:t>(see </a:t>
+            </a:r>
+            <a:r>
+              <a:rPr lang="en-US" smtClean="0"/>
+              <a:t>XSS/Attacks.txt)</a:t>
             </a:r>
             <a:endParaRPr lang="en-US" dirty="0" smtClean="0"/>
           </a:p>
@@ -3329,7 +3334,7 @@
     </p:spTree>
     <p:extLst>
       <p:ext uri="{BB962C8B-B14F-4D97-AF65-F5344CB8AC3E}">
-        <p14:creationId xmlns:p14="http://schemas.microsoft.com/office/powerpoint/2010/main" val="1874201289"/>
+        <p14:creationId xmlns:p14="http://schemas.microsoft.com/office/powerpoint/2010/main" val="886274846"/>
       </p:ext>
     </p:extLst>
   </p:cSld>
@@ -3373,7 +3378,7 @@
           <a:p>
             <a:r>
               <a:rPr lang="en-US" dirty="0" smtClean="0"/>
-              <a:t>Clickjacking</a:t>
+              <a:t>SQL Injection</a:t>
             </a:r>
             <a:endParaRPr lang="en-US" dirty="0"/>
           </a:p>
@@ -3395,33 +3400,35 @@
           <a:lstStyle/>
           <a:p>
             <a:r>
+              <a:rPr lang="en-US" dirty="0" smtClean="0"/>
+              <a:t>Inject SQL into a vulnerable site.</a:t>
+            </a:r>
+          </a:p>
+          <a:p>
+            <a:r>
+              <a:rPr lang="en-US" dirty="0" smtClean="0"/>
+              <a:t>Let’s hack </a:t>
+            </a:r>
+            <a:r>
               <a:rPr lang="en-US" dirty="0"/>
-              <a:t>the malicious practice of manipulating a website user's activity by concealing hyperlinks beneath legitimate clickable content, thereby causing the user to perform actions of which they are </a:t>
+              <a:t>something… </a:t>
             </a:r>
             <a:r>
               <a:rPr lang="en-US" dirty="0" smtClean="0"/>
-              <a:t>unaware.</a:t>
-            </a:r>
-          </a:p>
-          <a:p>
+              <a:t>[Demo</a:t>
+            </a:r>
             <a:r>
               <a:rPr lang="en-US" dirty="0" smtClean="0"/>
-              <a:t>Lets see it!</a:t>
-            </a:r>
-          </a:p>
-          <a:p>
-            <a:r>
-              <a:rPr lang="en-US" dirty="0" smtClean="0"/>
-              <a:t>Lets prevent it!</a:t>
-            </a:r>
-            <a:endParaRPr lang="en-US" dirty="0"/>
+              <a:t>]</a:t>
+            </a:r>
+            <a:endParaRPr lang="en-US" dirty="0" smtClean="0"/>
           </a:p>
         </p:txBody>
       </p:sp>
     </p:spTree>
     <p:extLst>
       <p:ext uri="{BB962C8B-B14F-4D97-AF65-F5344CB8AC3E}">
-        <p14:creationId xmlns:p14="http://schemas.microsoft.com/office/powerpoint/2010/main" val="2796542559"/>
+        <p14:creationId xmlns:p14="http://schemas.microsoft.com/office/powerpoint/2010/main" val="3759279647"/>
       </p:ext>
     </p:extLst>
   </p:cSld>
@@ -3465,7 +3472,7 @@
           <a:p>
             <a:r>
               <a:rPr lang="en-US" dirty="0" smtClean="0"/>
-              <a:t>General Best Practices</a:t>
+              <a:t>Defense!</a:t>
             </a:r>
             <a:endParaRPr lang="en-US" dirty="0"/>
           </a:p>
@@ -3488,38 +3495,57 @@
           <a:p>
             <a:r>
               <a:rPr lang="en-US" dirty="0" smtClean="0"/>
-              <a:t>Don’t give away information - “Your password is invalid” or “username not found”</a:t>
-            </a:r>
-          </a:p>
-          <a:p>
-            <a:r>
-              <a:rPr lang="en-US" dirty="0" smtClean="0"/>
-              <a:t>Don’t be predictable - admin/admin</a:t>
-            </a:r>
-          </a:p>
-          <a:p>
-            <a:r>
-              <a:rPr lang="en-US" dirty="0" smtClean="0"/>
-              <a:t>Always change default creds – </a:t>
-            </a:r>
-            <a:r>
-              <a:rPr lang="en-US" dirty="0" err="1" smtClean="0"/>
-              <a:t>sa</a:t>
-            </a:r>
-            <a:r>
-              <a:rPr lang="en-US" dirty="0" smtClean="0"/>
-              <a:t>/””</a:t>
-            </a:r>
-          </a:p>
-          <a:p>
+              <a:t>How can I defend against Injection?</a:t>
+            </a:r>
             <a:endParaRPr lang="en-US" dirty="0"/>
           </a:p>
         </p:txBody>
       </p:sp>
+      <p:pic>
+        <p:nvPicPr>
+          <p:cNvPr id="1026" name="Picture 2" descr="C:\Users\mabank\Downloads\walking-stick_defence_barton-wright_3.gif"/>
+          <p:cNvPicPr>
+            <a:picLocks noChangeAspect="1" noChangeArrowheads="1" noCrop="1"/>
+          </p:cNvPicPr>
+          <p:nvPr/>
+        </p:nvPicPr>
+        <p:blipFill>
+          <a:blip r:embed="rId2">
+            <a:extLst>
+              <a:ext uri="{28A0092B-C50C-407E-A947-70E740481C1C}">
+                <a14:useLocalDpi xmlns:a14="http://schemas.microsoft.com/office/drawing/2010/main" val="0"/>
+              </a:ext>
+            </a:extLst>
+          </a:blip>
+          <a:srcRect/>
+          <a:stretch>
+            <a:fillRect/>
+          </a:stretch>
+        </p:blipFill>
+        <p:spPr bwMode="auto">
+          <a:xfrm>
+            <a:off x="1752600" y="2362200"/>
+            <a:ext cx="4856163" cy="3704559"/>
+          </a:xfrm>
+          <a:prstGeom prst="rect">
+            <a:avLst/>
+          </a:prstGeom>
+          <a:noFill/>
+          <a:extLst>
+            <a:ext uri="{909E8E84-426E-40DD-AFC4-6F175D3DCCD1}">
+              <a14:hiddenFill xmlns:a14="http://schemas.microsoft.com/office/drawing/2010/main">
+                <a:solidFill>
+                  <a:srgbClr val="FFFFFF"/>
+                </a:solidFill>
+              </a14:hiddenFill>
+            </a:ext>
+          </a:extLst>
+        </p:spPr>
+      </p:pic>
     </p:spTree>
     <p:extLst>
       <p:ext uri="{BB962C8B-B14F-4D97-AF65-F5344CB8AC3E}">
-        <p14:creationId xmlns:p14="http://schemas.microsoft.com/office/powerpoint/2010/main" val="2407966952"/>
+        <p14:creationId xmlns:p14="http://schemas.microsoft.com/office/powerpoint/2010/main" val="1383150378"/>
       </p:ext>
     </p:extLst>
   </p:cSld>
@@ -3563,7 +3589,7 @@
           <a:p>
             <a:r>
               <a:rPr lang="en-US" dirty="0" smtClean="0"/>
-              <a:t>OWASP</a:t>
+              <a:t>Cross Site Request Forgery</a:t>
             </a:r>
             <a:endParaRPr lang="en-US" dirty="0"/>
           </a:p>
@@ -3585,49 +3611,52 @@
           <a:lstStyle/>
           <a:p>
             <a:r>
+              <a:rPr lang="en-US" dirty="0" smtClean="0"/>
+              <a:t>When a </a:t>
+            </a:r>
+            <a:r>
               <a:rPr lang="en-US" dirty="0"/>
-              <a:t>The Open Web Application Security </a:t>
-            </a:r>
+              <a:t>program causes a user's Web browser to perform an unwanted action on a trusted </a:t>
+            </a:r>
+            <a:r>
+              <a:rPr lang="en-US" b="1" dirty="0"/>
+              <a:t>site</a:t>
+            </a:r>
+            <a:r>
+              <a:rPr lang="en-US" dirty="0"/>
+              <a:t> for which the user is currently authenticated</a:t>
+            </a:r>
+            <a:endParaRPr lang="en-US" dirty="0" smtClean="0"/>
+          </a:p>
+          <a:p>
             <a:r>
               <a:rPr lang="en-US" dirty="0" smtClean="0"/>
-              <a:t>Project</a:t>
-            </a:r>
-          </a:p>
-          <a:p>
-            <a:r>
-              <a:rPr lang="en-US" dirty="0">
-                <a:hlinkClick r:id="rId2"/>
-              </a:rPr>
-              <a:t>https://</a:t>
-            </a:r>
-            <a:r>
-              <a:rPr lang="en-US" dirty="0" smtClean="0">
-                <a:hlinkClick r:id="rId2"/>
-              </a:rPr>
-              <a:t>www.owasp.org</a:t>
+              <a:t>HTTP </a:t>
+            </a:r>
+            <a:r>
+              <a:rPr lang="en-US" dirty="0" err="1" smtClean="0"/>
+              <a:t>referer</a:t>
             </a:r>
             <a:endParaRPr lang="en-US" dirty="0" smtClean="0"/>
           </a:p>
           <a:p>
             <a:r>
               <a:rPr lang="en-US" dirty="0" smtClean="0"/>
-              <a:t>Core Purpose - </a:t>
-            </a:r>
-            <a:r>
-              <a:rPr lang="en-US" dirty="0"/>
-              <a:t>Be the thriving global community that drives visibility and evolution in the safety and security of the world’s software.</a:t>
-            </a:r>
-            <a:endParaRPr lang="en-US" dirty="0" smtClean="0"/>
-          </a:p>
-          <a:p>
-            <a:endParaRPr lang="en-US" dirty="0"/>
+              <a:t>CAPTCHA</a:t>
+            </a:r>
+          </a:p>
+          <a:p>
+            <a:r>
+              <a:rPr lang="en-US" dirty="0" smtClean="0"/>
+              <a:t>Re-Authentication (Like amazon.com)</a:t>
+            </a:r>
           </a:p>
         </p:txBody>
       </p:sp>
     </p:spTree>
     <p:extLst>
       <p:ext uri="{BB962C8B-B14F-4D97-AF65-F5344CB8AC3E}">
-        <p14:creationId xmlns:p14="http://schemas.microsoft.com/office/powerpoint/2010/main" val="2339420415"/>
+        <p14:creationId xmlns:p14="http://schemas.microsoft.com/office/powerpoint/2010/main" val="1874201289"/>
       </p:ext>
     </p:extLst>
   </p:cSld>
@@ -3671,6 +3700,196 @@
           <a:p>
             <a:r>
               <a:rPr lang="en-US" dirty="0" smtClean="0"/>
+              <a:t>Clickjacking</a:t>
+            </a:r>
+            <a:endParaRPr lang="en-US" dirty="0"/>
+          </a:p>
+        </p:txBody>
+      </p:sp>
+      <p:sp>
+        <p:nvSpPr>
+          <p:cNvPr id="3" name="Content Placeholder 2"/>
+          <p:cNvSpPr>
+            <a:spLocks noGrp="1"/>
+          </p:cNvSpPr>
+          <p:nvPr>
+            <p:ph idx="1"/>
+          </p:nvPr>
+        </p:nvSpPr>
+        <p:spPr/>
+        <p:txBody>
+          <a:bodyPr/>
+          <a:lstStyle/>
+          <a:p>
+            <a:r>
+              <a:rPr lang="en-US" dirty="0"/>
+              <a:t>the malicious practice of manipulating a website user's activity by concealing hyperlinks beneath legitimate clickable content, thereby causing the user to perform actions of which they are </a:t>
+            </a:r>
+            <a:r>
+              <a:rPr lang="en-US" dirty="0" smtClean="0"/>
+              <a:t>unaware.</a:t>
+            </a:r>
+          </a:p>
+          <a:p>
+            <a:r>
+              <a:rPr lang="en-US" dirty="0" smtClean="0"/>
+              <a:t>Lets see it!</a:t>
+            </a:r>
+          </a:p>
+          <a:p>
+            <a:r>
+              <a:rPr lang="en-US" dirty="0" smtClean="0"/>
+              <a:t>Lets prevent it!</a:t>
+            </a:r>
+            <a:endParaRPr lang="en-US" dirty="0"/>
+          </a:p>
+        </p:txBody>
+      </p:sp>
+    </p:spTree>
+    <p:extLst>
+      <p:ext uri="{BB962C8B-B14F-4D97-AF65-F5344CB8AC3E}">
+        <p14:creationId xmlns:p14="http://schemas.microsoft.com/office/powerpoint/2010/main" val="2796542559"/>
+      </p:ext>
+    </p:extLst>
+  </p:cSld>
+  <p:clrMapOvr>
+    <a:masterClrMapping/>
+  </p:clrMapOvr>
+</p:sld>
+</file>
+
+<file path=ppt/slides/slide15.xml><?xml version="1.0" encoding="utf-8"?>
+<p:sld xmlns:a="http://schemas.openxmlformats.org/drawingml/2006/main" xmlns:r="http://schemas.openxmlformats.org/officeDocument/2006/relationships" xmlns:p="http://schemas.openxmlformats.org/presentationml/2006/main">
+  <p:cSld>
+    <p:spTree>
+      <p:nvGrpSpPr>
+        <p:cNvPr id="1" name=""/>
+        <p:cNvGrpSpPr/>
+        <p:nvPr/>
+      </p:nvGrpSpPr>
+      <p:grpSpPr>
+        <a:xfrm>
+          <a:off x="0" y="0"/>
+          <a:ext cx="0" cy="0"/>
+          <a:chOff x="0" y="0"/>
+          <a:chExt cx="0" cy="0"/>
+        </a:xfrm>
+      </p:grpSpPr>
+      <p:sp>
+        <p:nvSpPr>
+          <p:cNvPr id="2" name="Title 1"/>
+          <p:cNvSpPr>
+            <a:spLocks noGrp="1"/>
+          </p:cNvSpPr>
+          <p:nvPr>
+            <p:ph type="title"/>
+          </p:nvPr>
+        </p:nvSpPr>
+        <p:spPr/>
+        <p:txBody>
+          <a:bodyPr/>
+          <a:lstStyle/>
+          <a:p>
+            <a:r>
+              <a:rPr lang="en-US" dirty="0" smtClean="0"/>
+              <a:t>General Best Practices</a:t>
+            </a:r>
+            <a:endParaRPr lang="en-US" dirty="0"/>
+          </a:p>
+        </p:txBody>
+      </p:sp>
+      <p:sp>
+        <p:nvSpPr>
+          <p:cNvPr id="3" name="Content Placeholder 2"/>
+          <p:cNvSpPr>
+            <a:spLocks noGrp="1"/>
+          </p:cNvSpPr>
+          <p:nvPr>
+            <p:ph idx="1"/>
+          </p:nvPr>
+        </p:nvSpPr>
+        <p:spPr/>
+        <p:txBody>
+          <a:bodyPr/>
+          <a:lstStyle/>
+          <a:p>
+            <a:r>
+              <a:rPr lang="en-US" dirty="0" smtClean="0"/>
+              <a:t>Don’t give away information - “Your password is invalid” or “username not found”</a:t>
+            </a:r>
+          </a:p>
+          <a:p>
+            <a:r>
+              <a:rPr lang="en-US" dirty="0" smtClean="0"/>
+              <a:t>Don’t be predictable - admin/admin</a:t>
+            </a:r>
+          </a:p>
+          <a:p>
+            <a:r>
+              <a:rPr lang="en-US" dirty="0" smtClean="0"/>
+              <a:t>Always change default creds – </a:t>
+            </a:r>
+            <a:r>
+              <a:rPr lang="en-US" dirty="0" err="1" smtClean="0"/>
+              <a:t>sa</a:t>
+            </a:r>
+            <a:r>
+              <a:rPr lang="en-US" dirty="0" smtClean="0"/>
+              <a:t>/””</a:t>
+            </a:r>
+          </a:p>
+          <a:p>
+            <a:endParaRPr lang="en-US" dirty="0"/>
+          </a:p>
+        </p:txBody>
+      </p:sp>
+    </p:spTree>
+    <p:extLst>
+      <p:ext uri="{BB962C8B-B14F-4D97-AF65-F5344CB8AC3E}">
+        <p14:creationId xmlns:p14="http://schemas.microsoft.com/office/powerpoint/2010/main" val="2407966952"/>
+      </p:ext>
+    </p:extLst>
+  </p:cSld>
+  <p:clrMapOvr>
+    <a:masterClrMapping/>
+  </p:clrMapOvr>
+</p:sld>
+</file>
+
+<file path=ppt/slides/slide16.xml><?xml version="1.0" encoding="utf-8"?>
+<p:sld xmlns:a="http://schemas.openxmlformats.org/drawingml/2006/main" xmlns:r="http://schemas.openxmlformats.org/officeDocument/2006/relationships" xmlns:p="http://schemas.openxmlformats.org/presentationml/2006/main">
+  <p:cSld>
+    <p:spTree>
+      <p:nvGrpSpPr>
+        <p:cNvPr id="1" name=""/>
+        <p:cNvGrpSpPr/>
+        <p:nvPr/>
+      </p:nvGrpSpPr>
+      <p:grpSpPr>
+        <a:xfrm>
+          <a:off x="0" y="0"/>
+          <a:ext cx="0" cy="0"/>
+          <a:chOff x="0" y="0"/>
+          <a:chExt cx="0" cy="0"/>
+        </a:xfrm>
+      </p:grpSpPr>
+      <p:sp>
+        <p:nvSpPr>
+          <p:cNvPr id="2" name="Title 1"/>
+          <p:cNvSpPr>
+            <a:spLocks noGrp="1"/>
+          </p:cNvSpPr>
+          <p:nvPr>
+            <p:ph type="title"/>
+          </p:nvPr>
+        </p:nvSpPr>
+        <p:spPr/>
+        <p:txBody>
+          <a:bodyPr/>
+          <a:lstStyle/>
+          <a:p>
+            <a:r>
+              <a:rPr lang="en-US" dirty="0" smtClean="0"/>
               <a:t>Authentication</a:t>
             </a:r>
             <a:endParaRPr lang="en-US" dirty="0"/>
@@ -3700,6 +3919,178 @@
     <p:extLst>
       <p:ext uri="{BB962C8B-B14F-4D97-AF65-F5344CB8AC3E}">
         <p14:creationId xmlns:p14="http://schemas.microsoft.com/office/powerpoint/2010/main" val="3595273246"/>
+      </p:ext>
+    </p:extLst>
+  </p:cSld>
+  <p:clrMapOvr>
+    <a:masterClrMapping/>
+  </p:clrMapOvr>
+</p:sld>
+</file>
+
+<file path=ppt/slides/slide17.xml><?xml version="1.0" encoding="utf-8"?>
+<p:sld xmlns:a="http://schemas.openxmlformats.org/drawingml/2006/main" xmlns:r="http://schemas.openxmlformats.org/officeDocument/2006/relationships" xmlns:p="http://schemas.openxmlformats.org/presentationml/2006/main">
+  <p:cSld>
+    <p:spTree>
+      <p:nvGrpSpPr>
+        <p:cNvPr id="1" name=""/>
+        <p:cNvGrpSpPr/>
+        <p:nvPr/>
+      </p:nvGrpSpPr>
+      <p:grpSpPr>
+        <a:xfrm>
+          <a:off x="0" y="0"/>
+          <a:ext cx="0" cy="0"/>
+          <a:chOff x="0" y="0"/>
+          <a:chExt cx="0" cy="0"/>
+        </a:xfrm>
+      </p:grpSpPr>
+      <p:sp>
+        <p:nvSpPr>
+          <p:cNvPr id="2" name="Title 1"/>
+          <p:cNvSpPr>
+            <a:spLocks noGrp="1"/>
+          </p:cNvSpPr>
+          <p:nvPr>
+            <p:ph type="title"/>
+          </p:nvPr>
+        </p:nvSpPr>
+        <p:spPr/>
+        <p:txBody>
+          <a:bodyPr>
+            <a:normAutofit fontScale="90000"/>
+          </a:bodyPr>
+          <a:lstStyle/>
+          <a:p>
+            <a:r>
+              <a:rPr lang="en-US" dirty="0" smtClean="0"/>
+              <a:t>Presentation Guideline</a:t>
+            </a:r>
+            <a:br>
+              <a:rPr lang="en-US" dirty="0" smtClean="0"/>
+            </a:br>
+            <a:endParaRPr lang="en-US" dirty="0"/>
+          </a:p>
+        </p:txBody>
+      </p:sp>
+      <p:sp>
+        <p:nvSpPr>
+          <p:cNvPr id="3" name="Content Placeholder 2"/>
+          <p:cNvSpPr>
+            <a:spLocks noGrp="1"/>
+          </p:cNvSpPr>
+          <p:nvPr>
+            <p:ph idx="1"/>
+          </p:nvPr>
+        </p:nvSpPr>
+        <p:spPr/>
+        <p:txBody>
+          <a:bodyPr>
+            <a:normAutofit fontScale="70000" lnSpcReduction="20000"/>
+          </a:bodyPr>
+          <a:lstStyle/>
+          <a:p>
+            <a:r>
+              <a:rPr lang="en-US" dirty="0" smtClean="0"/>
+              <a:t>How </a:t>
+            </a:r>
+            <a:r>
+              <a:rPr lang="en-US" dirty="0"/>
+              <a:t>to mitigate against:</a:t>
+            </a:r>
+          </a:p>
+          <a:p>
+            <a:pPr lvl="1"/>
+            <a:r>
+              <a:rPr lang="en-US" dirty="0"/>
+              <a:t>SQL Injection</a:t>
+            </a:r>
+          </a:p>
+          <a:p>
+            <a:pPr lvl="1"/>
+            <a:r>
+              <a:rPr lang="en-US" dirty="0"/>
+              <a:t>Cross Site Request Forgery</a:t>
+            </a:r>
+          </a:p>
+          <a:p>
+            <a:pPr lvl="1"/>
+            <a:r>
+              <a:rPr lang="en-US" dirty="0"/>
+              <a:t>Cross Site Scripting</a:t>
+            </a:r>
+          </a:p>
+          <a:p>
+            <a:pPr lvl="1"/>
+            <a:r>
+              <a:rPr lang="en-US" dirty="0"/>
+              <a:t>Clickjacking</a:t>
+            </a:r>
+          </a:p>
+          <a:p>
+            <a:r>
+              <a:rPr lang="en-US" dirty="0"/>
+              <a:t>Authentication</a:t>
+            </a:r>
+          </a:p>
+          <a:p>
+            <a:pPr lvl="1"/>
+            <a:r>
+              <a:rPr lang="en-US" dirty="0"/>
+              <a:t>account lockout, password history/expiration, etc.</a:t>
+            </a:r>
+          </a:p>
+          <a:p>
+            <a:pPr lvl="1"/>
+            <a:r>
+              <a:rPr lang="en-US" dirty="0"/>
+              <a:t>Multi-factor authentication</a:t>
+            </a:r>
+          </a:p>
+          <a:p>
+            <a:pPr lvl="1"/>
+            <a:r>
+              <a:rPr lang="en-US" dirty="0"/>
+              <a:t>What is the correct way of storing passwords?</a:t>
+            </a:r>
+          </a:p>
+          <a:p>
+            <a:pPr lvl="1"/>
+            <a:r>
+              <a:rPr lang="en-US" dirty="0"/>
+              <a:t>Why should passwords be salted?</a:t>
+            </a:r>
+          </a:p>
+          <a:p>
+            <a:r>
+              <a:rPr lang="en-US" dirty="0"/>
+              <a:t>Input validation</a:t>
+            </a:r>
+          </a:p>
+          <a:p>
+            <a:r>
+              <a:rPr lang="en-US" dirty="0"/>
+              <a:t>PII/PHI (e.g. masking certain data in the UI)</a:t>
+            </a:r>
+          </a:p>
+          <a:p>
+            <a:r>
+              <a:rPr lang="en-US" dirty="0"/>
+              <a:t>What is OWASP?</a:t>
+            </a:r>
+          </a:p>
+          <a:p>
+            <a:r>
+              <a:rPr lang="en-US" dirty="0"/>
+              <a:t>How it relates to Javascript/.NET</a:t>
+            </a:r>
+          </a:p>
+        </p:txBody>
+      </p:sp>
+    </p:spTree>
+    <p:extLst>
+      <p:ext uri="{BB962C8B-B14F-4D97-AF65-F5344CB8AC3E}">
+        <p14:creationId xmlns:p14="http://schemas.microsoft.com/office/powerpoint/2010/main" val="1189173483"/>
       </p:ext>
     </p:extLst>
   </p:cSld>
@@ -3837,7 +4228,7 @@
           <a:p>
             <a:r>
               <a:rPr lang="en-US" dirty="0" smtClean="0"/>
-              <a:t>2015 Cyberattacks</a:t>
+              <a:t>Cyberattacks</a:t>
             </a:r>
             <a:endParaRPr lang="en-US" dirty="0"/>
           </a:p>
@@ -3855,62 +4246,46 @@
         </p:nvSpPr>
         <p:spPr/>
         <p:txBody>
-          <a:bodyPr/>
-          <a:lstStyle/>
-          <a:p>
-            <a:r>
-              <a:rPr lang="en-US" b="1" dirty="0" err="1"/>
-              <a:t>Primera</a:t>
-            </a:r>
-            <a:r>
-              <a:rPr lang="en-US" b="1" dirty="0"/>
-              <a:t> Blue </a:t>
-            </a:r>
-            <a:r>
-              <a:rPr lang="en-US" b="1" dirty="0" smtClean="0"/>
-              <a:t>Cross – 11 million customers </a:t>
-            </a:r>
-          </a:p>
-          <a:p>
-            <a:r>
-              <a:rPr lang="en-US" b="1" dirty="0" smtClean="0"/>
-              <a:t>Anthem - tens of millions customers</a:t>
-            </a:r>
-          </a:p>
-          <a:p>
-            <a:r>
-              <a:rPr lang="en-US" b="1" dirty="0" smtClean="0"/>
-              <a:t>Staples – 1.6 million credit cards</a:t>
-            </a:r>
-          </a:p>
-          <a:p>
-            <a:r>
-              <a:rPr lang="en-US" b="1" dirty="0" smtClean="0"/>
-              <a:t>Home Depot – 56 million credit cards</a:t>
-            </a:r>
-          </a:p>
-          <a:p>
-            <a:r>
-              <a:rPr lang="en-US" b="1" dirty="0" smtClean="0"/>
-              <a:t>JPMorgan chase – 83 million households</a:t>
-            </a:r>
-          </a:p>
-          <a:p>
-            <a:r>
-              <a:rPr lang="en-US" b="1" dirty="0" smtClean="0"/>
-              <a:t>Federal Government – 4 million </a:t>
-            </a:r>
-            <a:r>
-              <a:rPr lang="en-US" b="1" dirty="0" smtClean="0"/>
-              <a:t>employees</a:t>
-            </a:r>
-          </a:p>
-          <a:p>
-            <a:r>
-              <a:rPr lang="en-US" b="1" dirty="0" smtClean="0"/>
-              <a:t>Utah – 280,000 SSNs</a:t>
-            </a:r>
-            <a:endParaRPr lang="en-US" dirty="0"/>
+          <a:bodyPr>
+            <a:normAutofit/>
+          </a:bodyPr>
+          <a:lstStyle/>
+          <a:p>
+            <a:r>
+              <a:rPr lang="en-US" sz="2800" b="1" dirty="0" smtClean="0"/>
+              <a:t>$6 Billion Annually in healthcare alone</a:t>
+            </a:r>
+          </a:p>
+          <a:p>
+            <a:r>
+              <a:rPr lang="en-US" sz="2800" b="1" dirty="0" smtClean="0"/>
+              <a:t>Attacks agains</a:t>
+            </a:r>
+            <a:r>
+              <a:rPr lang="en-US" sz="2800" b="1" dirty="0" smtClean="0"/>
+              <a:t>t healthcare doubled in 5 years</a:t>
+            </a:r>
+          </a:p>
+          <a:p>
+            <a:r>
+              <a:rPr lang="en-US" sz="2800" b="1" dirty="0" smtClean="0"/>
+              <a:t>90% of providers hit with data breaches in past 2 years (source: </a:t>
+            </a:r>
+            <a:r>
+              <a:rPr lang="en-US" sz="2800" b="1" dirty="0" err="1" smtClean="0"/>
+              <a:t>bloomberg</a:t>
+            </a:r>
+            <a:r>
+              <a:rPr lang="en-US" sz="2800" b="1" dirty="0" smtClean="0"/>
+              <a:t>)</a:t>
+            </a:r>
+          </a:p>
+          <a:p>
+            <a:r>
+              <a:rPr lang="en-US" sz="2800" b="1" dirty="0" smtClean="0"/>
+              <a:t>2014 – FBI Warns healthcare is “lax” compared to other sectors</a:t>
+            </a:r>
+            <a:endParaRPr lang="en-US" sz="2800" b="1" dirty="0" smtClean="0"/>
           </a:p>
         </p:txBody>
       </p:sp>
@@ -4245,7 +4620,9 @@
         </p:nvSpPr>
         <p:spPr/>
         <p:txBody>
-          <a:bodyPr/>
+          <a:bodyPr>
+            <a:normAutofit lnSpcReduction="10000"/>
+          </a:bodyPr>
           <a:lstStyle/>
           <a:p>
             <a:r>
@@ -4300,21 +4677,36 @@
           <a:p>
             <a:r>
               <a:rPr lang="en-US" sz="2800" dirty="0" smtClean="0"/>
-              <a:t>Black Market Value $10.00: 10-20</a:t>
-            </a:r>
-            <a:r>
-              <a:rPr lang="en-US" sz="2800" dirty="0"/>
-              <a:t> </a:t>
+              <a:t>Black Market Value $</a:t>
             </a:r>
             <a:r>
               <a:rPr lang="en-US" sz="2800" dirty="0" smtClean="0"/>
-              <a:t>times that of PII.</a:t>
-            </a:r>
-          </a:p>
-          <a:p>
+              <a:t>10.00 - $20.00: 20-40 </a:t>
+            </a:r>
             <a:r>
               <a:rPr lang="en-US" sz="2800" dirty="0" smtClean="0"/>
-              <a:t>Why?  Drugs, Less secure, easier to obtain. </a:t>
+              <a:t>times that of PII</a:t>
+            </a:r>
+            <a:r>
+              <a:rPr lang="en-US" sz="2800" dirty="0" smtClean="0"/>
+              <a:t>.</a:t>
+            </a:r>
+          </a:p>
+          <a:p>
+            <a:r>
+              <a:rPr lang="en-US" sz="2800" dirty="0" err="1" smtClean="0"/>
+              <a:t>Fullz</a:t>
+            </a:r>
+            <a:r>
+              <a:rPr lang="en-US" sz="2800" dirty="0" smtClean="0"/>
+              <a:t> or Kitz PHI with fake documents $1,000+</a:t>
+            </a:r>
+            <a:endParaRPr lang="en-US" sz="2800" dirty="0" smtClean="0"/>
+          </a:p>
+          <a:p>
+            <a:r>
+              <a:rPr lang="en-US" sz="2800" dirty="0" smtClean="0"/>
+              <a:t>Why?  </a:t>
             </a:r>
             <a:endParaRPr lang="en-US" sz="2800" dirty="0"/>
           </a:p>
@@ -4367,7 +4759,7 @@
           <a:p>
             <a:r>
               <a:rPr lang="en-US" dirty="0" smtClean="0"/>
-              <a:t>Common attacks</a:t>
+              <a:t>OWASP</a:t>
             </a:r>
             <a:endParaRPr lang="en-US" dirty="0"/>
           </a:p>
@@ -4389,41 +4781,90 @@
           <a:lstStyle/>
           <a:p>
             <a:r>
+              <a:rPr lang="en-US" dirty="0"/>
+              <a:t>The Open Web Application Security </a:t>
+            </a:r>
+            <a:r>
               <a:rPr lang="en-US" dirty="0" smtClean="0"/>
-              <a:t>SQL Injection</a:t>
-            </a:r>
+              <a:t>Project</a:t>
+            </a:r>
+          </a:p>
+          <a:p>
+            <a:r>
+              <a:rPr lang="en-US" dirty="0">
+                <a:hlinkClick r:id="rId2"/>
+              </a:rPr>
+              <a:t>https://</a:t>
+            </a:r>
+            <a:r>
+              <a:rPr lang="en-US" dirty="0" smtClean="0">
+                <a:hlinkClick r:id="rId2"/>
+              </a:rPr>
+              <a:t>www.owasp.org</a:t>
+            </a:r>
+            <a:endParaRPr lang="en-US" dirty="0" smtClean="0"/>
           </a:p>
           <a:p>
             <a:r>
               <a:rPr lang="en-US" dirty="0" smtClean="0"/>
-              <a:t>Cross Site Scripting</a:t>
-            </a:r>
-          </a:p>
-          <a:p>
-            <a:r>
-              <a:rPr lang="en-US" dirty="0" smtClean="0"/>
-              <a:t>Cross Site Request Forgery</a:t>
-            </a:r>
-          </a:p>
-          <a:p>
-            <a:r>
-              <a:rPr lang="en-US" dirty="0" smtClean="0"/>
-              <a:t>Clickjacking</a:t>
-            </a:r>
-          </a:p>
-          <a:p>
-            <a:r>
-              <a:rPr lang="en-US" dirty="0" smtClean="0"/>
-              <a:t>Social Engineering</a:t>
-            </a:r>
+              <a:t>Core Purpose - </a:t>
+            </a:r>
+            <a:r>
+              <a:rPr lang="en-US" dirty="0"/>
+              <a:t>Be the thriving global community that drives visibility and evolution in the safety and security of the world’s software.</a:t>
+            </a:r>
+            <a:endParaRPr lang="en-US" dirty="0" smtClean="0"/>
+          </a:p>
+          <a:p>
             <a:endParaRPr lang="en-US" dirty="0"/>
           </a:p>
         </p:txBody>
       </p:sp>
+      <p:pic>
+        <p:nvPicPr>
+          <p:cNvPr id="2050" name="Picture 2" descr="C:\Users\mabank\Downloads\Owasp_logo_normal.jpg"/>
+          <p:cNvPicPr>
+            <a:picLocks noChangeAspect="1" noChangeArrowheads="1"/>
+          </p:cNvPicPr>
+          <p:nvPr/>
+        </p:nvPicPr>
+        <p:blipFill>
+          <a:blip r:embed="rId3">
+            <a:extLst>
+              <a:ext uri="{28A0092B-C50C-407E-A947-70E740481C1C}">
+                <a14:useLocalDpi xmlns:a14="http://schemas.microsoft.com/office/drawing/2010/main" val="0"/>
+              </a:ext>
+            </a:extLst>
+          </a:blip>
+          <a:srcRect/>
+          <a:stretch>
+            <a:fillRect/>
+          </a:stretch>
+        </p:blipFill>
+        <p:spPr bwMode="auto">
+          <a:xfrm>
+            <a:off x="1752600" y="93662"/>
+            <a:ext cx="1582737" cy="1582738"/>
+          </a:xfrm>
+          <a:prstGeom prst="rect">
+            <a:avLst/>
+          </a:prstGeom>
+          <a:noFill/>
+          <a:extLst>
+            <a:ext uri="{909E8E84-426E-40DD-AFC4-6F175D3DCCD1}">
+              <a14:hiddenFill xmlns:a14="http://schemas.microsoft.com/office/drawing/2010/main">
+                <a:solidFill>
+                  <a:srgbClr val="FFFFFF"/>
+                </a:solidFill>
+              </a14:hiddenFill>
+            </a:ext>
+          </a:extLst>
+        </p:spPr>
+      </p:pic>
     </p:spTree>
     <p:extLst>
       <p:ext uri="{BB962C8B-B14F-4D97-AF65-F5344CB8AC3E}">
-        <p14:creationId xmlns:p14="http://schemas.microsoft.com/office/powerpoint/2010/main" val="2949532798"/>
+        <p14:creationId xmlns:p14="http://schemas.microsoft.com/office/powerpoint/2010/main" val="2339420415"/>
       </p:ext>
     </p:extLst>
   </p:cSld>
@@ -4467,7 +4908,7 @@
           <a:p>
             <a:r>
               <a:rPr lang="en-US" dirty="0" smtClean="0"/>
-              <a:t>Cross Site Scripting (XSS)</a:t>
+              <a:t>Common attacks</a:t>
             </a:r>
             <a:endParaRPr lang="en-US" dirty="0"/>
           </a:p>
@@ -4485,33 +4926,82 @@
         </p:nvSpPr>
         <p:spPr/>
         <p:txBody>
-          <a:bodyPr/>
+          <a:bodyPr>
+            <a:normAutofit/>
+          </a:bodyPr>
           <a:lstStyle/>
           <a:p>
             <a:r>
               <a:rPr lang="en-US" dirty="0" smtClean="0"/>
-              <a:t>XSS – Injecting client-side script into a site.</a:t>
-            </a:r>
-          </a:p>
-          <a:p>
+              <a:t>SQL </a:t>
+            </a:r>
             <a:r>
               <a:rPr lang="en-US" dirty="0" smtClean="0"/>
-              <a:t>Why is it dangerous? [Demo]</a:t>
-            </a:r>
+              <a:t>Injection 1*</a:t>
+            </a:r>
+            <a:endParaRPr lang="en-US" dirty="0" smtClean="0"/>
           </a:p>
           <a:p>
             <a:r>
               <a:rPr lang="en-US" dirty="0" smtClean="0"/>
-              <a:t>How can I prevent it? [Code Review]</a:t>
-            </a:r>
+              <a:t>Cross Site </a:t>
+            </a:r>
+            <a:r>
+              <a:rPr lang="en-US" dirty="0" smtClean="0"/>
+              <a:t>Scripting 3*</a:t>
+            </a:r>
+            <a:endParaRPr lang="en-US" dirty="0" smtClean="0"/>
+          </a:p>
+          <a:p>
+            <a:r>
+              <a:rPr lang="en-US" dirty="0" smtClean="0"/>
+              <a:t>Cross Site Request </a:t>
+            </a:r>
+            <a:r>
+              <a:rPr lang="en-US" dirty="0" smtClean="0"/>
+              <a:t>Forgery 8*</a:t>
+            </a:r>
+            <a:endParaRPr lang="en-US" dirty="0" smtClean="0"/>
+          </a:p>
+          <a:p>
+            <a:r>
+              <a:rPr lang="en-US" dirty="0" smtClean="0"/>
+              <a:t>Clickjacking</a:t>
+            </a:r>
+          </a:p>
+          <a:p>
+            <a:r>
+              <a:rPr lang="en-US" dirty="0" smtClean="0"/>
+              <a:t>Social </a:t>
+            </a:r>
+            <a:r>
+              <a:rPr lang="en-US" dirty="0" smtClean="0"/>
+              <a:t>Engineering</a:t>
+            </a:r>
+          </a:p>
+          <a:p>
             <a:endParaRPr lang="en-US" dirty="0"/>
+          </a:p>
+          <a:p>
+            <a:r>
+              <a:rPr lang="en-US" sz="2000" dirty="0"/>
+              <a:t>https://www.owasp.org/index.php/Top_10_2013-Top_10</a:t>
+            </a:r>
+            <a:endParaRPr lang="en-US" sz="2000" dirty="0" smtClean="0"/>
+          </a:p>
+          <a:p>
+            <a:r>
+              <a:rPr lang="en-US" sz="2000" dirty="0" smtClean="0"/>
+              <a:t>*OWASP ranking 2013</a:t>
+            </a:r>
+            <a:endParaRPr lang="en-US" sz="2000" dirty="0"/>
           </a:p>
         </p:txBody>
       </p:sp>
     </p:spTree>
     <p:extLst>
       <p:ext uri="{BB962C8B-B14F-4D97-AF65-F5344CB8AC3E}">
-        <p14:creationId xmlns:p14="http://schemas.microsoft.com/office/powerpoint/2010/main" val="886274846"/>
+        <p14:creationId xmlns:p14="http://schemas.microsoft.com/office/powerpoint/2010/main" val="2949532798"/>
       </p:ext>
     </p:extLst>
   </p:cSld>
@@ -4550,12 +5040,14 @@
         </p:nvSpPr>
         <p:spPr/>
         <p:txBody>
-          <a:bodyPr/>
+          <a:bodyPr>
+            <a:normAutofit/>
+          </a:bodyPr>
           <a:lstStyle/>
           <a:p>
             <a:r>
               <a:rPr lang="en-US" dirty="0" smtClean="0"/>
-              <a:t>SQL Injection</a:t>
+              <a:t>Social Engineering</a:t>
             </a:r>
             <a:endParaRPr lang="en-US" dirty="0"/>
           </a:p>
@@ -4578,28 +5070,34 @@
           <a:p>
             <a:r>
               <a:rPr lang="en-US" dirty="0" smtClean="0"/>
-              <a:t>Inject SQL into a vulnerable site.</a:t>
-            </a:r>
-          </a:p>
-          <a:p>
-            <a:r>
-              <a:rPr lang="en-US" dirty="0" smtClean="0"/>
-              <a:t>Let’s hack </a:t>
-            </a:r>
+              <a:t>The weakest link in the Information Security Chain.</a:t>
+            </a:r>
+          </a:p>
+          <a:p>
             <a:r>
               <a:rPr lang="en-US" dirty="0"/>
-              <a:t>something… </a:t>
-            </a:r>
-            <a:r>
-              <a:rPr lang="en-US" dirty="0" smtClean="0"/>
-              <a:t>[Demo]</a:t>
-            </a:r>
-          </a:p>
-          <a:p>
-            <a:r>
-              <a:rPr lang="en-US" dirty="0" smtClean="0"/>
-              <a:t>How do I defend against it?  [Code Review]</a:t>
-            </a:r>
+              <a:t>Obviously, never give out confidential information.</a:t>
+            </a:r>
+          </a:p>
+          <a:p>
+            <a:r>
+              <a:rPr lang="en-US" dirty="0"/>
+              <a:t>Safeguard even inconsequential information about yourself.</a:t>
+            </a:r>
+          </a:p>
+          <a:p>
+            <a:r>
+              <a:rPr lang="en-US" dirty="0"/>
+              <a:t>Lie to security questions, and remember your lies. </a:t>
+            </a:r>
+          </a:p>
+          <a:p>
+            <a:pPr marL="0" indent="0">
+              <a:buNone/>
+            </a:pPr>
+            <a:endParaRPr lang="en-US" dirty="0" smtClean="0"/>
+          </a:p>
+          <a:p>
             <a:endParaRPr lang="en-US" dirty="0"/>
           </a:p>
         </p:txBody>
@@ -4607,7 +5105,7 @@
     </p:spTree>
     <p:extLst>
       <p:ext uri="{BB962C8B-B14F-4D97-AF65-F5344CB8AC3E}">
-        <p14:creationId xmlns:p14="http://schemas.microsoft.com/office/powerpoint/2010/main" val="3759279647"/>
+        <p14:creationId xmlns:p14="http://schemas.microsoft.com/office/powerpoint/2010/main" val="546520191"/>
       </p:ext>
     </p:extLst>
   </p:cSld>

--- a/Security/Content/Documents/Security.pptx
+++ b/Security/Content/Documents/Security.pptx
@@ -3321,13 +3321,8 @@
           <a:p>
             <a:r>
               <a:rPr lang="en-US" dirty="0" smtClean="0"/>
-              <a:t>(see </a:t>
-            </a:r>
-            <a:r>
-              <a:rPr lang="en-US" smtClean="0"/>
-              <a:t>XSS/Attacks.txt)</a:t>
-            </a:r>
-            <a:endParaRPr lang="en-US" dirty="0" smtClean="0"/>
+              <a:t>(see XSS/Attacks.txt)</a:t>
+            </a:r>
           </a:p>
         </p:txBody>
       </p:sp>
@@ -3642,8 +3637,9 @@
           <a:p>
             <a:r>
               <a:rPr lang="en-US" dirty="0" smtClean="0"/>
-              <a:t>CAPTCHA</a:t>
-            </a:r>
+              <a:t>CAPTCHA - Anti-Pattern, bad for disabled users</a:t>
+            </a:r>
+            <a:endParaRPr lang="en-US" dirty="0" smtClean="0"/>
           </a:p>
           <a:p>
             <a:r>

--- a/Security/Content/Documents/Security.pptx
+++ b/Security/Content/Documents/Security.pptx
@@ -304,7 +304,7 @@
           <a:p>
             <a:fld id="{C5BCB02B-97BC-49AD-89C1-137F41ABB076}" type="datetimeFigureOut">
               <a:rPr lang="en-US" smtClean="0"/>
-              <a:t>6/30/2015</a:t>
+              <a:t>7/2/2015</a:t>
             </a:fld>
             <a:endParaRPr lang="en-US"/>
           </a:p>
@@ -474,7 +474,7 @@
           <a:p>
             <a:fld id="{C5BCB02B-97BC-49AD-89C1-137F41ABB076}" type="datetimeFigureOut">
               <a:rPr lang="en-US" smtClean="0"/>
-              <a:t>6/30/2015</a:t>
+              <a:t>7/2/2015</a:t>
             </a:fld>
             <a:endParaRPr lang="en-US"/>
           </a:p>
@@ -654,7 +654,7 @@
           <a:p>
             <a:fld id="{C5BCB02B-97BC-49AD-89C1-137F41ABB076}" type="datetimeFigureOut">
               <a:rPr lang="en-US" smtClean="0"/>
-              <a:t>6/30/2015</a:t>
+              <a:t>7/2/2015</a:t>
             </a:fld>
             <a:endParaRPr lang="en-US"/>
           </a:p>
@@ -824,7 +824,7 @@
           <a:p>
             <a:fld id="{C5BCB02B-97BC-49AD-89C1-137F41ABB076}" type="datetimeFigureOut">
               <a:rPr lang="en-US" smtClean="0"/>
-              <a:t>6/30/2015</a:t>
+              <a:t>7/2/2015</a:t>
             </a:fld>
             <a:endParaRPr lang="en-US"/>
           </a:p>
@@ -1070,7 +1070,7 @@
           <a:p>
             <a:fld id="{C5BCB02B-97BC-49AD-89C1-137F41ABB076}" type="datetimeFigureOut">
               <a:rPr lang="en-US" smtClean="0"/>
-              <a:t>6/30/2015</a:t>
+              <a:t>7/2/2015</a:t>
             </a:fld>
             <a:endParaRPr lang="en-US"/>
           </a:p>
@@ -1358,7 +1358,7 @@
           <a:p>
             <a:fld id="{C5BCB02B-97BC-49AD-89C1-137F41ABB076}" type="datetimeFigureOut">
               <a:rPr lang="en-US" smtClean="0"/>
-              <a:t>6/30/2015</a:t>
+              <a:t>7/2/2015</a:t>
             </a:fld>
             <a:endParaRPr lang="en-US"/>
           </a:p>
@@ -1780,7 +1780,7 @@
           <a:p>
             <a:fld id="{C5BCB02B-97BC-49AD-89C1-137F41ABB076}" type="datetimeFigureOut">
               <a:rPr lang="en-US" smtClean="0"/>
-              <a:t>6/30/2015</a:t>
+              <a:t>7/2/2015</a:t>
             </a:fld>
             <a:endParaRPr lang="en-US"/>
           </a:p>
@@ -1898,7 +1898,7 @@
           <a:p>
             <a:fld id="{C5BCB02B-97BC-49AD-89C1-137F41ABB076}" type="datetimeFigureOut">
               <a:rPr lang="en-US" smtClean="0"/>
-              <a:t>6/30/2015</a:t>
+              <a:t>7/2/2015</a:t>
             </a:fld>
             <a:endParaRPr lang="en-US"/>
           </a:p>
@@ -1993,7 +1993,7 @@
           <a:p>
             <a:fld id="{C5BCB02B-97BC-49AD-89C1-137F41ABB076}" type="datetimeFigureOut">
               <a:rPr lang="en-US" smtClean="0"/>
-              <a:t>6/30/2015</a:t>
+              <a:t>7/2/2015</a:t>
             </a:fld>
             <a:endParaRPr lang="en-US"/>
           </a:p>
@@ -2270,7 +2270,7 @@
           <a:p>
             <a:fld id="{C5BCB02B-97BC-49AD-89C1-137F41ABB076}" type="datetimeFigureOut">
               <a:rPr lang="en-US" smtClean="0"/>
-              <a:t>6/30/2015</a:t>
+              <a:t>7/2/2015</a:t>
             </a:fld>
             <a:endParaRPr lang="en-US"/>
           </a:p>
@@ -2523,7 +2523,7 @@
           <a:p>
             <a:fld id="{C5BCB02B-97BC-49AD-89C1-137F41ABB076}" type="datetimeFigureOut">
               <a:rPr lang="en-US" smtClean="0"/>
-              <a:t>6/30/2015</a:t>
+              <a:t>7/2/2015</a:t>
             </a:fld>
             <a:endParaRPr lang="en-US"/>
           </a:p>
@@ -2736,7 +2736,7 @@
           <a:p>
             <a:fld id="{C5BCB02B-97BC-49AD-89C1-137F41ABB076}" type="datetimeFigureOut">
               <a:rPr lang="en-US" smtClean="0"/>
-              <a:t>6/30/2015</a:t>
+              <a:t>7/2/2015</a:t>
             </a:fld>
             <a:endParaRPr lang="en-US"/>
           </a:p>
@@ -3410,13 +3410,8 @@
             </a:r>
             <a:r>
               <a:rPr lang="en-US" dirty="0" smtClean="0"/>
-              <a:t>[Demo</a:t>
-            </a:r>
-            <a:r>
-              <a:rPr lang="en-US" dirty="0" smtClean="0"/>
-              <a:t>]</a:t>
-            </a:r>
-            <a:endParaRPr lang="en-US" dirty="0" smtClean="0"/>
+              <a:t>[Demo]</a:t>
+            </a:r>
           </a:p>
         </p:txBody>
       </p:sp>
@@ -3639,7 +3634,6 @@
               <a:rPr lang="en-US" dirty="0" smtClean="0"/>
               <a:t>CAPTCHA - Anti-Pattern, bad for disabled users</a:t>
             </a:r>
-            <a:endParaRPr lang="en-US" dirty="0" smtClean="0"/>
           </a:p>
           <a:p>
             <a:r>
@@ -4255,11 +4249,7 @@
           <a:p>
             <a:r>
               <a:rPr lang="en-US" sz="2800" b="1" dirty="0" smtClean="0"/>
-              <a:t>Attacks agains</a:t>
-            </a:r>
-            <a:r>
-              <a:rPr lang="en-US" sz="2800" b="1" dirty="0" smtClean="0"/>
-              <a:t>t healthcare doubled in 5 years</a:t>
+              <a:t>Attacks against healthcare doubled in 5 years</a:t>
             </a:r>
           </a:p>
           <a:p>
@@ -4281,7 +4271,6 @@
               <a:rPr lang="en-US" sz="2800" b="1" dirty="0" smtClean="0"/>
               <a:t>2014 – FBI Warns healthcare is “lax” compared to other sectors</a:t>
             </a:r>
-            <a:endParaRPr lang="en-US" sz="2800" b="1" dirty="0" smtClean="0"/>
           </a:p>
         </p:txBody>
       </p:sp>
@@ -4673,19 +4662,7 @@
           <a:p>
             <a:r>
               <a:rPr lang="en-US" sz="2800" dirty="0" smtClean="0"/>
-              <a:t>Black Market Value $</a:t>
-            </a:r>
-            <a:r>
-              <a:rPr lang="en-US" sz="2800" dirty="0" smtClean="0"/>
-              <a:t>10.00 - $20.00: 20-40 </a:t>
-            </a:r>
-            <a:r>
-              <a:rPr lang="en-US" sz="2800" dirty="0" smtClean="0"/>
-              <a:t>times that of PII</a:t>
-            </a:r>
-            <a:r>
-              <a:rPr lang="en-US" sz="2800" dirty="0" smtClean="0"/>
-              <a:t>.</a:t>
+              <a:t>Black Market Value $10.00 - $20.00: 20-40 times that of PII.</a:t>
             </a:r>
           </a:p>
           <a:p>
@@ -4697,7 +4674,6 @@
               <a:rPr lang="en-US" sz="2800" dirty="0" smtClean="0"/>
               <a:t> or Kitz PHI with fake documents $1,000+</a:t>
             </a:r>
-            <a:endParaRPr lang="en-US" sz="2800" dirty="0" smtClean="0"/>
           </a:p>
           <a:p>
             <a:r>
@@ -4929,35 +4905,20 @@
           <a:p>
             <a:r>
               <a:rPr lang="en-US" dirty="0" smtClean="0"/>
-              <a:t>SQL </a:t>
-            </a:r>
+              <a:t>SQL Injection 1*</a:t>
+            </a:r>
+          </a:p>
+          <a:p>
             <a:r>
               <a:rPr lang="en-US" dirty="0" smtClean="0"/>
-              <a:t>Injection 1*</a:t>
-            </a:r>
-            <a:endParaRPr lang="en-US" dirty="0" smtClean="0"/>
+              <a:t>Cross Site Scripting 3*</a:t>
+            </a:r>
           </a:p>
           <a:p>
             <a:r>
               <a:rPr lang="en-US" dirty="0" smtClean="0"/>
-              <a:t>Cross Site </a:t>
-            </a:r>
-            <a:r>
-              <a:rPr lang="en-US" dirty="0" smtClean="0"/>
-              <a:t>Scripting 3*</a:t>
-            </a:r>
-            <a:endParaRPr lang="en-US" dirty="0" smtClean="0"/>
-          </a:p>
-          <a:p>
-            <a:r>
-              <a:rPr lang="en-US" dirty="0" smtClean="0"/>
-              <a:t>Cross Site Request </a:t>
-            </a:r>
-            <a:r>
-              <a:rPr lang="en-US" dirty="0" smtClean="0"/>
-              <a:t>Forgery 8*</a:t>
-            </a:r>
-            <a:endParaRPr lang="en-US" dirty="0" smtClean="0"/>
+              <a:t>Cross Site Request Forgery 8*</a:t>
+            </a:r>
           </a:p>
           <a:p>
             <a:r>
@@ -4968,11 +4929,7 @@
           <a:p>
             <a:r>
               <a:rPr lang="en-US" dirty="0" smtClean="0"/>
-              <a:t>Social </a:t>
-            </a:r>
-            <a:r>
-              <a:rPr lang="en-US" dirty="0" smtClean="0"/>
-              <a:t>Engineering</a:t>
+              <a:t>Social Engineering</a:t>
             </a:r>
           </a:p>
           <a:p>

--- a/Security/Content/Documents/Security.pptx
+++ b/Security/Content/Documents/Security.pptx
@@ -4,6 +4,9 @@
   <p:sldMasterIdLst>
     <p:sldMasterId id="2147483648" r:id="rId1"/>
   </p:sldMasterIdLst>
+  <p:notesMasterIdLst>
+    <p:notesMasterId r:id="rId19"/>
+  </p:notesMasterIdLst>
   <p:sldIdLst>
     <p:sldId id="256" r:id="rId2"/>
     <p:sldId id="258" r:id="rId3"/>
@@ -14,13 +17,13 @@
     <p:sldId id="268" r:id="rId8"/>
     <p:sldId id="259" r:id="rId9"/>
     <p:sldId id="272" r:id="rId10"/>
-    <p:sldId id="264" r:id="rId11"/>
-    <p:sldId id="261" r:id="rId12"/>
+    <p:sldId id="261" r:id="rId11"/>
+    <p:sldId id="264" r:id="rId12"/>
     <p:sldId id="270" r:id="rId13"/>
     <p:sldId id="266" r:id="rId14"/>
     <p:sldId id="267" r:id="rId15"/>
-    <p:sldId id="265" r:id="rId16"/>
-    <p:sldId id="269" r:id="rId17"/>
+    <p:sldId id="269" r:id="rId16"/>
+    <p:sldId id="265" r:id="rId17"/>
     <p:sldId id="271" r:id="rId18"/>
   </p:sldIdLst>
   <p:sldSz cx="9144000" cy="6858000" type="screen4x3"/>
@@ -123,6 +126,440 @@
 </p:presentation>
 </file>
 
+<file path=ppt/notesMasters/notesMaster1.xml><?xml version="1.0" encoding="utf-8"?>
+<p:notesMaster xmlns:a="http://schemas.openxmlformats.org/drawingml/2006/main" xmlns:r="http://schemas.openxmlformats.org/officeDocument/2006/relationships" xmlns:p="http://schemas.openxmlformats.org/presentationml/2006/main">
+  <p:cSld>
+    <p:bg>
+      <p:bgRef idx="1001">
+        <a:schemeClr val="bg1"/>
+      </p:bgRef>
+    </p:bg>
+    <p:spTree>
+      <p:nvGrpSpPr>
+        <p:cNvPr id="1" name=""/>
+        <p:cNvGrpSpPr/>
+        <p:nvPr/>
+      </p:nvGrpSpPr>
+      <p:grpSpPr>
+        <a:xfrm>
+          <a:off x="0" y="0"/>
+          <a:ext cx="0" cy="0"/>
+          <a:chOff x="0" y="0"/>
+          <a:chExt cx="0" cy="0"/>
+        </a:xfrm>
+      </p:grpSpPr>
+      <p:sp>
+        <p:nvSpPr>
+          <p:cNvPr id="2" name="Header Placeholder 1"/>
+          <p:cNvSpPr>
+            <a:spLocks noGrp="1"/>
+          </p:cNvSpPr>
+          <p:nvPr>
+            <p:ph type="hdr" sz="quarter"/>
+          </p:nvPr>
+        </p:nvSpPr>
+        <p:spPr>
+          <a:xfrm>
+            <a:off x="0" y="0"/>
+            <a:ext cx="2971800" cy="457200"/>
+          </a:xfrm>
+          <a:prstGeom prst="rect">
+            <a:avLst/>
+          </a:prstGeom>
+        </p:spPr>
+        <p:txBody>
+          <a:bodyPr vert="horz" lIns="91440" tIns="45720" rIns="91440" bIns="45720" rtlCol="0"/>
+          <a:lstStyle>
+            <a:lvl1pPr algn="l">
+              <a:defRPr sz="1200"/>
+            </a:lvl1pPr>
+          </a:lstStyle>
+          <a:p>
+            <a:endParaRPr lang="en-US"/>
+          </a:p>
+        </p:txBody>
+      </p:sp>
+      <p:sp>
+        <p:nvSpPr>
+          <p:cNvPr id="3" name="Date Placeholder 2"/>
+          <p:cNvSpPr>
+            <a:spLocks noGrp="1"/>
+          </p:cNvSpPr>
+          <p:nvPr>
+            <p:ph type="dt" idx="1"/>
+          </p:nvPr>
+        </p:nvSpPr>
+        <p:spPr>
+          <a:xfrm>
+            <a:off x="3884613" y="0"/>
+            <a:ext cx="2971800" cy="457200"/>
+          </a:xfrm>
+          <a:prstGeom prst="rect">
+            <a:avLst/>
+          </a:prstGeom>
+        </p:spPr>
+        <p:txBody>
+          <a:bodyPr vert="horz" lIns="91440" tIns="45720" rIns="91440" bIns="45720" rtlCol="0"/>
+          <a:lstStyle>
+            <a:lvl1pPr algn="r">
+              <a:defRPr sz="1200"/>
+            </a:lvl1pPr>
+          </a:lstStyle>
+          <a:p>
+            <a:fld id="{BCD08674-6E4C-4AB3-8A7E-BC3E5AC876B8}" type="datetimeFigureOut">
+              <a:rPr lang="en-US" smtClean="0"/>
+              <a:t>7/9/2015</a:t>
+            </a:fld>
+            <a:endParaRPr lang="en-US"/>
+          </a:p>
+        </p:txBody>
+      </p:sp>
+      <p:sp>
+        <p:nvSpPr>
+          <p:cNvPr id="4" name="Slide Image Placeholder 3"/>
+          <p:cNvSpPr>
+            <a:spLocks noGrp="1" noRot="1" noChangeAspect="1"/>
+          </p:cNvSpPr>
+          <p:nvPr>
+            <p:ph type="sldImg" idx="2"/>
+          </p:nvPr>
+        </p:nvSpPr>
+        <p:spPr>
+          <a:xfrm>
+            <a:off x="1143000" y="685800"/>
+            <a:ext cx="4572000" cy="3429000"/>
+          </a:xfrm>
+          <a:prstGeom prst="rect">
+            <a:avLst/>
+          </a:prstGeom>
+          <a:noFill/>
+          <a:ln w="12700">
+            <a:solidFill>
+              <a:prstClr val="black"/>
+            </a:solidFill>
+          </a:ln>
+        </p:spPr>
+        <p:txBody>
+          <a:bodyPr vert="horz" lIns="91440" tIns="45720" rIns="91440" bIns="45720" rtlCol="0" anchor="ctr"/>
+          <a:lstStyle/>
+          <a:p>
+            <a:endParaRPr lang="en-US"/>
+          </a:p>
+        </p:txBody>
+      </p:sp>
+      <p:sp>
+        <p:nvSpPr>
+          <p:cNvPr id="5" name="Notes Placeholder 4"/>
+          <p:cNvSpPr>
+            <a:spLocks noGrp="1"/>
+          </p:cNvSpPr>
+          <p:nvPr>
+            <p:ph type="body" sz="quarter" idx="3"/>
+          </p:nvPr>
+        </p:nvSpPr>
+        <p:spPr>
+          <a:xfrm>
+            <a:off x="685800" y="4343400"/>
+            <a:ext cx="5486400" cy="4114800"/>
+          </a:xfrm>
+          <a:prstGeom prst="rect">
+            <a:avLst/>
+          </a:prstGeom>
+        </p:spPr>
+        <p:txBody>
+          <a:bodyPr vert="horz" lIns="91440" tIns="45720" rIns="91440" bIns="45720" rtlCol="0"/>
+          <a:lstStyle/>
+          <a:p>
+            <a:pPr lvl="0"/>
+            <a:r>
+              <a:rPr lang="en-US" smtClean="0"/>
+              <a:t>Click to edit Master text styles</a:t>
+            </a:r>
+          </a:p>
+          <a:p>
+            <a:pPr lvl="1"/>
+            <a:r>
+              <a:rPr lang="en-US" smtClean="0"/>
+              <a:t>Second level</a:t>
+            </a:r>
+          </a:p>
+          <a:p>
+            <a:pPr lvl="2"/>
+            <a:r>
+              <a:rPr lang="en-US" smtClean="0"/>
+              <a:t>Third level</a:t>
+            </a:r>
+          </a:p>
+          <a:p>
+            <a:pPr lvl="3"/>
+            <a:r>
+              <a:rPr lang="en-US" smtClean="0"/>
+              <a:t>Fourth level</a:t>
+            </a:r>
+          </a:p>
+          <a:p>
+            <a:pPr lvl="4"/>
+            <a:r>
+              <a:rPr lang="en-US" smtClean="0"/>
+              <a:t>Fifth level</a:t>
+            </a:r>
+            <a:endParaRPr lang="en-US"/>
+          </a:p>
+        </p:txBody>
+      </p:sp>
+      <p:sp>
+        <p:nvSpPr>
+          <p:cNvPr id="6" name="Footer Placeholder 5"/>
+          <p:cNvSpPr>
+            <a:spLocks noGrp="1"/>
+          </p:cNvSpPr>
+          <p:nvPr>
+            <p:ph type="ftr" sz="quarter" idx="4"/>
+          </p:nvPr>
+        </p:nvSpPr>
+        <p:spPr>
+          <a:xfrm>
+            <a:off x="0" y="8685213"/>
+            <a:ext cx="2971800" cy="457200"/>
+          </a:xfrm>
+          <a:prstGeom prst="rect">
+            <a:avLst/>
+          </a:prstGeom>
+        </p:spPr>
+        <p:txBody>
+          <a:bodyPr vert="horz" lIns="91440" tIns="45720" rIns="91440" bIns="45720" rtlCol="0" anchor="b"/>
+          <a:lstStyle>
+            <a:lvl1pPr algn="l">
+              <a:defRPr sz="1200"/>
+            </a:lvl1pPr>
+          </a:lstStyle>
+          <a:p>
+            <a:endParaRPr lang="en-US"/>
+          </a:p>
+        </p:txBody>
+      </p:sp>
+      <p:sp>
+        <p:nvSpPr>
+          <p:cNvPr id="7" name="Slide Number Placeholder 6"/>
+          <p:cNvSpPr>
+            <a:spLocks noGrp="1"/>
+          </p:cNvSpPr>
+          <p:nvPr>
+            <p:ph type="sldNum" sz="quarter" idx="5"/>
+          </p:nvPr>
+        </p:nvSpPr>
+        <p:spPr>
+          <a:xfrm>
+            <a:off x="3884613" y="8685213"/>
+            <a:ext cx="2971800" cy="457200"/>
+          </a:xfrm>
+          <a:prstGeom prst="rect">
+            <a:avLst/>
+          </a:prstGeom>
+        </p:spPr>
+        <p:txBody>
+          <a:bodyPr vert="horz" lIns="91440" tIns="45720" rIns="91440" bIns="45720" rtlCol="0" anchor="b"/>
+          <a:lstStyle>
+            <a:lvl1pPr algn="r">
+              <a:defRPr sz="1200"/>
+            </a:lvl1pPr>
+          </a:lstStyle>
+          <a:p>
+            <a:fld id="{2111B9BD-FC81-4A9E-AD97-D1724FE0BF73}" type="slidenum">
+              <a:rPr lang="en-US" smtClean="0"/>
+              <a:t>‹#›</a:t>
+            </a:fld>
+            <a:endParaRPr lang="en-US"/>
+          </a:p>
+        </p:txBody>
+      </p:sp>
+    </p:spTree>
+    <p:extLst>
+      <p:ext uri="{BB962C8B-B14F-4D97-AF65-F5344CB8AC3E}">
+        <p14:creationId xmlns:p14="http://schemas.microsoft.com/office/powerpoint/2010/main" val="2072467185"/>
+      </p:ext>
+    </p:extLst>
+  </p:cSld>
+  <p:clrMap bg1="lt1" tx1="dk1" bg2="lt2" tx2="dk2" accent1="accent1" accent2="accent2" accent3="accent3" accent4="accent4" accent5="accent5" accent6="accent6" hlink="hlink" folHlink="folHlink"/>
+  <p:notesStyle>
+    <a:lvl1pPr marL="0" algn="l" defTabSz="914400" rtl="0" eaLnBrk="1" latinLnBrk="0" hangingPunct="1">
+      <a:defRPr sz="1200" kern="1200">
+        <a:solidFill>
+          <a:schemeClr val="tx1"/>
+        </a:solidFill>
+        <a:latin typeface="+mn-lt"/>
+        <a:ea typeface="+mn-ea"/>
+        <a:cs typeface="+mn-cs"/>
+      </a:defRPr>
+    </a:lvl1pPr>
+    <a:lvl2pPr marL="457200" algn="l" defTabSz="914400" rtl="0" eaLnBrk="1" latinLnBrk="0" hangingPunct="1">
+      <a:defRPr sz="1200" kern="1200">
+        <a:solidFill>
+          <a:schemeClr val="tx1"/>
+        </a:solidFill>
+        <a:latin typeface="+mn-lt"/>
+        <a:ea typeface="+mn-ea"/>
+        <a:cs typeface="+mn-cs"/>
+      </a:defRPr>
+    </a:lvl2pPr>
+    <a:lvl3pPr marL="914400" algn="l" defTabSz="914400" rtl="0" eaLnBrk="1" latinLnBrk="0" hangingPunct="1">
+      <a:defRPr sz="1200" kern="1200">
+        <a:solidFill>
+          <a:schemeClr val="tx1"/>
+        </a:solidFill>
+        <a:latin typeface="+mn-lt"/>
+        <a:ea typeface="+mn-ea"/>
+        <a:cs typeface="+mn-cs"/>
+      </a:defRPr>
+    </a:lvl3pPr>
+    <a:lvl4pPr marL="1371600" algn="l" defTabSz="914400" rtl="0" eaLnBrk="1" latinLnBrk="0" hangingPunct="1">
+      <a:defRPr sz="1200" kern="1200">
+        <a:solidFill>
+          <a:schemeClr val="tx1"/>
+        </a:solidFill>
+        <a:latin typeface="+mn-lt"/>
+        <a:ea typeface="+mn-ea"/>
+        <a:cs typeface="+mn-cs"/>
+      </a:defRPr>
+    </a:lvl4pPr>
+    <a:lvl5pPr marL="1828800" algn="l" defTabSz="914400" rtl="0" eaLnBrk="1" latinLnBrk="0" hangingPunct="1">
+      <a:defRPr sz="1200" kern="1200">
+        <a:solidFill>
+          <a:schemeClr val="tx1"/>
+        </a:solidFill>
+        <a:latin typeface="+mn-lt"/>
+        <a:ea typeface="+mn-ea"/>
+        <a:cs typeface="+mn-cs"/>
+      </a:defRPr>
+    </a:lvl5pPr>
+    <a:lvl6pPr marL="2286000" algn="l" defTabSz="914400" rtl="0" eaLnBrk="1" latinLnBrk="0" hangingPunct="1">
+      <a:defRPr sz="1200" kern="1200">
+        <a:solidFill>
+          <a:schemeClr val="tx1"/>
+        </a:solidFill>
+        <a:latin typeface="+mn-lt"/>
+        <a:ea typeface="+mn-ea"/>
+        <a:cs typeface="+mn-cs"/>
+      </a:defRPr>
+    </a:lvl6pPr>
+    <a:lvl7pPr marL="2743200" algn="l" defTabSz="914400" rtl="0" eaLnBrk="1" latinLnBrk="0" hangingPunct="1">
+      <a:defRPr sz="1200" kern="1200">
+        <a:solidFill>
+          <a:schemeClr val="tx1"/>
+        </a:solidFill>
+        <a:latin typeface="+mn-lt"/>
+        <a:ea typeface="+mn-ea"/>
+        <a:cs typeface="+mn-cs"/>
+      </a:defRPr>
+    </a:lvl7pPr>
+    <a:lvl8pPr marL="3200400" algn="l" defTabSz="914400" rtl="0" eaLnBrk="1" latinLnBrk="0" hangingPunct="1">
+      <a:defRPr sz="1200" kern="1200">
+        <a:solidFill>
+          <a:schemeClr val="tx1"/>
+        </a:solidFill>
+        <a:latin typeface="+mn-lt"/>
+        <a:ea typeface="+mn-ea"/>
+        <a:cs typeface="+mn-cs"/>
+      </a:defRPr>
+    </a:lvl8pPr>
+    <a:lvl9pPr marL="3657600" algn="l" defTabSz="914400" rtl="0" eaLnBrk="1" latinLnBrk="0" hangingPunct="1">
+      <a:defRPr sz="1200" kern="1200">
+        <a:solidFill>
+          <a:schemeClr val="tx1"/>
+        </a:solidFill>
+        <a:latin typeface="+mn-lt"/>
+        <a:ea typeface="+mn-ea"/>
+        <a:cs typeface="+mn-cs"/>
+      </a:defRPr>
+    </a:lvl9pPr>
+  </p:notesStyle>
+</p:notesMaster>
+</file>
+
+<file path=ppt/notesSlides/notesSlide1.xml><?xml version="1.0" encoding="utf-8"?>
+<p:notes xmlns:a="http://schemas.openxmlformats.org/drawingml/2006/main" xmlns:r="http://schemas.openxmlformats.org/officeDocument/2006/relationships" xmlns:p="http://schemas.openxmlformats.org/presentationml/2006/main">
+  <p:cSld>
+    <p:spTree>
+      <p:nvGrpSpPr>
+        <p:cNvPr id="1" name=""/>
+        <p:cNvGrpSpPr/>
+        <p:nvPr/>
+      </p:nvGrpSpPr>
+      <p:grpSpPr>
+        <a:xfrm>
+          <a:off x="0" y="0"/>
+          <a:ext cx="0" cy="0"/>
+          <a:chOff x="0" y="0"/>
+          <a:chExt cx="0" cy="0"/>
+        </a:xfrm>
+      </p:grpSpPr>
+      <p:sp>
+        <p:nvSpPr>
+          <p:cNvPr id="2" name="Slide Image Placeholder 1"/>
+          <p:cNvSpPr>
+            <a:spLocks noGrp="1" noRot="1" noChangeAspect="1"/>
+          </p:cNvSpPr>
+          <p:nvPr>
+            <p:ph type="sldImg"/>
+          </p:nvPr>
+        </p:nvSpPr>
+        <p:spPr/>
+      </p:sp>
+      <p:sp>
+        <p:nvSpPr>
+          <p:cNvPr id="3" name="Notes Placeholder 2"/>
+          <p:cNvSpPr>
+            <a:spLocks noGrp="1"/>
+          </p:cNvSpPr>
+          <p:nvPr>
+            <p:ph type="body" idx="1"/>
+          </p:nvPr>
+        </p:nvSpPr>
+        <p:spPr/>
+        <p:txBody>
+          <a:bodyPr/>
+          <a:lstStyle/>
+          <a:p>
+            <a:endParaRPr lang="en-US"/>
+          </a:p>
+        </p:txBody>
+      </p:sp>
+      <p:sp>
+        <p:nvSpPr>
+          <p:cNvPr id="4" name="Slide Number Placeholder 3"/>
+          <p:cNvSpPr>
+            <a:spLocks noGrp="1"/>
+          </p:cNvSpPr>
+          <p:nvPr>
+            <p:ph type="sldNum" sz="quarter" idx="10"/>
+          </p:nvPr>
+        </p:nvSpPr>
+        <p:spPr/>
+        <p:txBody>
+          <a:bodyPr/>
+          <a:lstStyle/>
+          <a:p>
+            <a:fld id="{2111B9BD-FC81-4A9E-AD97-D1724FE0BF73}" type="slidenum">
+              <a:rPr lang="en-US" smtClean="0"/>
+              <a:t>11</a:t>
+            </a:fld>
+            <a:endParaRPr lang="en-US"/>
+          </a:p>
+        </p:txBody>
+      </p:sp>
+    </p:spTree>
+    <p:extLst>
+      <p:ext uri="{BB962C8B-B14F-4D97-AF65-F5344CB8AC3E}">
+        <p14:creationId xmlns:p14="http://schemas.microsoft.com/office/powerpoint/2010/main" val="2258040070"/>
+      </p:ext>
+    </p:extLst>
+  </p:cSld>
+  <p:clrMapOvr>
+    <a:masterClrMapping/>
+  </p:clrMapOvr>
+</p:notes>
+</file>
+
 <file path=ppt/slideLayouts/slideLayout1.xml><?xml version="1.0" encoding="utf-8"?>
 <p:sldLayout xmlns:a="http://schemas.openxmlformats.org/drawingml/2006/main" xmlns:r="http://schemas.openxmlformats.org/officeDocument/2006/relationships" xmlns:p="http://schemas.openxmlformats.org/presentationml/2006/main" type="title" preserve="1">
   <p:cSld name="Title Slide">
@@ -304,7 +741,7 @@
           <a:p>
             <a:fld id="{C5BCB02B-97BC-49AD-89C1-137F41ABB076}" type="datetimeFigureOut">
               <a:rPr lang="en-US" smtClean="0"/>
-              <a:t>7/2/2015</a:t>
+              <a:t>7/9/2015</a:t>
             </a:fld>
             <a:endParaRPr lang="en-US"/>
           </a:p>
@@ -474,7 +911,7 @@
           <a:p>
             <a:fld id="{C5BCB02B-97BC-49AD-89C1-137F41ABB076}" type="datetimeFigureOut">
               <a:rPr lang="en-US" smtClean="0"/>
-              <a:t>7/2/2015</a:t>
+              <a:t>7/9/2015</a:t>
             </a:fld>
             <a:endParaRPr lang="en-US"/>
           </a:p>
@@ -654,7 +1091,7 @@
           <a:p>
             <a:fld id="{C5BCB02B-97BC-49AD-89C1-137F41ABB076}" type="datetimeFigureOut">
               <a:rPr lang="en-US" smtClean="0"/>
-              <a:t>7/2/2015</a:t>
+              <a:t>7/9/2015</a:t>
             </a:fld>
             <a:endParaRPr lang="en-US"/>
           </a:p>
@@ -824,7 +1261,7 @@
           <a:p>
             <a:fld id="{C5BCB02B-97BC-49AD-89C1-137F41ABB076}" type="datetimeFigureOut">
               <a:rPr lang="en-US" smtClean="0"/>
-              <a:t>7/2/2015</a:t>
+              <a:t>7/9/2015</a:t>
             </a:fld>
             <a:endParaRPr lang="en-US"/>
           </a:p>
@@ -882,6 +1319,13 @@
   <p:clrMapOvr>
     <a:masterClrMapping/>
   </p:clrMapOvr>
+  <p:timing>
+    <p:tnLst>
+      <p:par>
+        <p:cTn id="1" dur="indefinite" restart="never" nodeType="tmRoot"/>
+      </p:par>
+    </p:tnLst>
+  </p:timing>
 </p:sldLayout>
 </file>
 
@@ -1070,7 +1514,7 @@
           <a:p>
             <a:fld id="{C5BCB02B-97BC-49AD-89C1-137F41ABB076}" type="datetimeFigureOut">
               <a:rPr lang="en-US" smtClean="0"/>
-              <a:t>7/2/2015</a:t>
+              <a:t>7/9/2015</a:t>
             </a:fld>
             <a:endParaRPr lang="en-US"/>
           </a:p>
@@ -1358,7 +1802,7 @@
           <a:p>
             <a:fld id="{C5BCB02B-97BC-49AD-89C1-137F41ABB076}" type="datetimeFigureOut">
               <a:rPr lang="en-US" smtClean="0"/>
-              <a:t>7/2/2015</a:t>
+              <a:t>7/9/2015</a:t>
             </a:fld>
             <a:endParaRPr lang="en-US"/>
           </a:p>
@@ -1780,7 +2224,7 @@
           <a:p>
             <a:fld id="{C5BCB02B-97BC-49AD-89C1-137F41ABB076}" type="datetimeFigureOut">
               <a:rPr lang="en-US" smtClean="0"/>
-              <a:t>7/2/2015</a:t>
+              <a:t>7/9/2015</a:t>
             </a:fld>
             <a:endParaRPr lang="en-US"/>
           </a:p>
@@ -1898,7 +2342,7 @@
           <a:p>
             <a:fld id="{C5BCB02B-97BC-49AD-89C1-137F41ABB076}" type="datetimeFigureOut">
               <a:rPr lang="en-US" smtClean="0"/>
-              <a:t>7/2/2015</a:t>
+              <a:t>7/9/2015</a:t>
             </a:fld>
             <a:endParaRPr lang="en-US"/>
           </a:p>
@@ -1993,7 +2437,7 @@
           <a:p>
             <a:fld id="{C5BCB02B-97BC-49AD-89C1-137F41ABB076}" type="datetimeFigureOut">
               <a:rPr lang="en-US" smtClean="0"/>
-              <a:t>7/2/2015</a:t>
+              <a:t>7/9/2015</a:t>
             </a:fld>
             <a:endParaRPr lang="en-US"/>
           </a:p>
@@ -2270,7 +2714,7 @@
           <a:p>
             <a:fld id="{C5BCB02B-97BC-49AD-89C1-137F41ABB076}" type="datetimeFigureOut">
               <a:rPr lang="en-US" smtClean="0"/>
-              <a:t>7/2/2015</a:t>
+              <a:t>7/9/2015</a:t>
             </a:fld>
             <a:endParaRPr lang="en-US"/>
           </a:p>
@@ -2523,7 +2967,7 @@
           <a:p>
             <a:fld id="{C5BCB02B-97BC-49AD-89C1-137F41ABB076}" type="datetimeFigureOut">
               <a:rPr lang="en-US" smtClean="0"/>
-              <a:t>7/2/2015</a:t>
+              <a:t>7/9/2015</a:t>
             </a:fld>
             <a:endParaRPr lang="en-US"/>
           </a:p>
@@ -2736,7 +3180,7 @@
           <a:p>
             <a:fld id="{C5BCB02B-97BC-49AD-89C1-137F41ABB076}" type="datetimeFigureOut">
               <a:rPr lang="en-US" smtClean="0"/>
-              <a:t>7/2/2015</a:t>
+              <a:t>7/9/2015</a:t>
             </a:fld>
             <a:endParaRPr lang="en-US"/>
           </a:p>
@@ -3227,6 +3671,13 @@
   <p:clrMapOvr>
     <a:masterClrMapping/>
   </p:clrMapOvr>
+  <p:timing>
+    <p:tnLst>
+      <p:par>
+        <p:cTn id="1" dur="indefinite" restart="never" nodeType="tmRoot"/>
+      </p:par>
+    </p:tnLst>
+  </p:timing>
 </p:sld>
 </file>
 
@@ -3264,7 +3715,7 @@
           <a:p>
             <a:r>
               <a:rPr lang="en-US" dirty="0" smtClean="0"/>
-              <a:t>Cross Site Scripting (XSS)</a:t>
+              <a:t>SQL Injection</a:t>
             </a:r>
             <a:endParaRPr lang="en-US" dirty="0"/>
           </a:p>
@@ -3287,55 +3738,97 @@
           <a:p>
             <a:r>
               <a:rPr lang="en-US" dirty="0" smtClean="0"/>
-              <a:t>XSS – Injecting client-side script into a site.</a:t>
-            </a:r>
-          </a:p>
-          <a:p>
-            <a:r>
-              <a:rPr lang="en-US" dirty="0" smtClean="0"/>
-              <a:t>Why is it dangerous? </a:t>
-            </a:r>
-            <a:endParaRPr lang="en-US" dirty="0"/>
-          </a:p>
-          <a:p>
-            <a:r>
-              <a:rPr lang="en-US" dirty="0" smtClean="0">
-                <a:hlinkClick r:id="rId2"/>
-              </a:rPr>
-              <a:t>http</a:t>
-            </a:r>
+              <a:t>Inject SQL into a vulnerable site.</a:t>
+            </a:r>
+          </a:p>
+          <a:p>
+            <a:r>
+              <a:rPr lang="en-US" dirty="0" smtClean="0"/>
+              <a:t>Let’s hack </a:t>
+            </a:r>
+            <a:r>
+              <a:rPr lang="en-US" dirty="0"/>
+              <a:t>something… </a:t>
+            </a:r>
+            <a:r>
+              <a:rPr lang="en-US" dirty="0" smtClean="0"/>
+              <a:t>[Demo]</a:t>
+            </a:r>
+          </a:p>
+          <a:p>
             <a:r>
               <a:rPr lang="en-US" dirty="0">
                 <a:hlinkClick r:id="rId2"/>
               </a:rPr>
-              <a:t>://testfire.net</a:t>
-            </a:r>
-            <a:r>
-              <a:rPr lang="en-US" dirty="0" smtClean="0">
-                <a:hlinkClick r:id="rId2"/>
-              </a:rPr>
-              <a:t>/</a:t>
-            </a:r>
-            <a:endParaRPr lang="en-US" dirty="0" smtClean="0"/>
-          </a:p>
-          <a:p>
-            <a:r>
-              <a:rPr lang="en-US" dirty="0" smtClean="0"/>
-              <a:t>(see XSS/Attacks.txt)</a:t>
-            </a:r>
+              <a:t>http://testfire.net/</a:t>
+            </a:r>
+            <a:endParaRPr lang="en-US" dirty="0"/>
+          </a:p>
+          <a:p>
+            <a:endParaRPr lang="en-US" sz="2000" dirty="0" smtClean="0"/>
+          </a:p>
+          <a:p>
+            <a:r>
+              <a:rPr lang="en-US" sz="2000" dirty="0" smtClean="0"/>
+              <a:t>'AND </a:t>
+            </a:r>
+            <a:r>
+              <a:rPr lang="en-US" sz="2000" dirty="0"/>
+              <a:t>1=(SELECT COUNT(*) FROM probe</a:t>
+            </a:r>
+            <a:r>
+              <a:rPr lang="en-US" sz="2000" dirty="0" smtClean="0"/>
+              <a:t>);--</a:t>
+            </a:r>
+          </a:p>
+          <a:p>
+            <a:r>
+              <a:rPr lang="en-US" sz="2000" dirty="0" smtClean="0"/>
+              <a:t>' </a:t>
+            </a:r>
+            <a:r>
+              <a:rPr lang="en-US" sz="2000" dirty="0"/>
+              <a:t>OR 1=1;--</a:t>
+            </a:r>
+          </a:p>
+          <a:p>
+            <a:r>
+              <a:rPr lang="en-US" sz="2000" dirty="0" smtClean="0"/>
+              <a:t>'; </a:t>
+            </a:r>
+            <a:r>
+              <a:rPr lang="en-US" sz="2000" dirty="0"/>
+              <a:t>DROP TABLE </a:t>
+            </a:r>
+            <a:r>
+              <a:rPr lang="en-US" sz="2000" dirty="0" err="1"/>
+              <a:t>probeResult</a:t>
+            </a:r>
+            <a:r>
+              <a:rPr lang="en-US" sz="2000" dirty="0"/>
+              <a:t>;--</a:t>
+            </a:r>
+            <a:endParaRPr lang="en-US" sz="2000" dirty="0" smtClean="0"/>
           </a:p>
         </p:txBody>
       </p:sp>
     </p:spTree>
     <p:extLst>
       <p:ext uri="{BB962C8B-B14F-4D97-AF65-F5344CB8AC3E}">
-        <p14:creationId xmlns:p14="http://schemas.microsoft.com/office/powerpoint/2010/main" val="886274846"/>
+        <p14:creationId xmlns:p14="http://schemas.microsoft.com/office/powerpoint/2010/main" val="3759279647"/>
       </p:ext>
     </p:extLst>
   </p:cSld>
   <p:clrMapOvr>
     <a:masterClrMapping/>
   </p:clrMapOvr>
+  <p:timing>
+    <p:tnLst>
+      <p:par>
+        <p:cTn id="1" dur="indefinite" restart="never" nodeType="tmRoot"/>
+      </p:par>
+    </p:tnLst>
+  </p:timing>
 </p:sld>
 </file>
 
@@ -3373,7 +3866,7 @@
           <a:p>
             <a:r>
               <a:rPr lang="en-US" dirty="0" smtClean="0"/>
-              <a:t>SQL Injection</a:t>
+              <a:t>Cross Site Scripting (XSS)</a:t>
             </a:r>
             <a:endParaRPr lang="en-US" dirty="0"/>
           </a:p>
@@ -3396,21 +3889,56 @@
           <a:p>
             <a:r>
               <a:rPr lang="en-US" dirty="0" smtClean="0"/>
-              <a:t>Inject SQL into a vulnerable site.</a:t>
-            </a:r>
-          </a:p>
-          <a:p>
-            <a:r>
-              <a:rPr lang="en-US" dirty="0" smtClean="0"/>
-              <a:t>Let’s hack </a:t>
-            </a:r>
-            <a:r>
-              <a:rPr lang="en-US" dirty="0"/>
-              <a:t>something… </a:t>
-            </a:r>
-            <a:r>
-              <a:rPr lang="en-US" dirty="0" smtClean="0"/>
-              <a:t>[Demo]</a:t>
+              <a:t>XSS – Injecting client-side script into a site.</a:t>
+            </a:r>
+          </a:p>
+          <a:p>
+            <a:pPr lvl="1"/>
+            <a:r>
+              <a:rPr lang="en-US" dirty="0" smtClean="0"/>
+              <a:t>Reflected [Demo]</a:t>
+            </a:r>
+            <a:endParaRPr lang="en-US" dirty="0"/>
+          </a:p>
+          <a:p>
+            <a:pPr lvl="1"/>
+            <a:r>
+              <a:rPr lang="en-US" dirty="0" smtClean="0"/>
+              <a:t>Persisted</a:t>
+            </a:r>
+          </a:p>
+          <a:p>
+            <a:r>
+              <a:rPr lang="en-US" dirty="0" smtClean="0"/>
+              <a:t>Why is it dangerous? </a:t>
+            </a:r>
+            <a:endParaRPr lang="en-US" dirty="0"/>
+          </a:p>
+          <a:p>
+            <a:r>
+              <a:rPr lang="en-US" dirty="0" smtClean="0">
+                <a:hlinkClick r:id="rId3"/>
+              </a:rPr>
+              <a:t>http</a:t>
+            </a:r>
+            <a:r>
+              <a:rPr lang="en-US" dirty="0">
+                <a:hlinkClick r:id="rId3"/>
+              </a:rPr>
+              <a:t>://testfire.net</a:t>
+            </a:r>
+            <a:r>
+              <a:rPr lang="en-US" dirty="0" smtClean="0">
+                <a:hlinkClick r:id="rId3"/>
+              </a:rPr>
+              <a:t>/</a:t>
+            </a:r>
+            <a:endParaRPr lang="en-US" dirty="0" smtClean="0"/>
+          </a:p>
+          <a:p>
+            <a:r>
+              <a:rPr lang="en-US" dirty="0" smtClean="0"/>
+              <a:t>(see XSS/Attacks.txt)</a:t>
             </a:r>
           </a:p>
         </p:txBody>
@@ -3418,13 +3946,20 @@
     </p:spTree>
     <p:extLst>
       <p:ext uri="{BB962C8B-B14F-4D97-AF65-F5344CB8AC3E}">
-        <p14:creationId xmlns:p14="http://schemas.microsoft.com/office/powerpoint/2010/main" val="3759279647"/>
+        <p14:creationId xmlns:p14="http://schemas.microsoft.com/office/powerpoint/2010/main" val="886274846"/>
       </p:ext>
     </p:extLst>
   </p:cSld>
   <p:clrMapOvr>
     <a:masterClrMapping/>
   </p:clrMapOvr>
+  <p:timing>
+    <p:tnLst>
+      <p:par>
+        <p:cTn id="1" dur="indefinite" restart="never" nodeType="tmRoot"/>
+      </p:par>
+    </p:tnLst>
+  </p:timing>
 </p:sld>
 </file>
 
@@ -3514,7 +4049,7 @@
         </p:blipFill>
         <p:spPr bwMode="auto">
           <a:xfrm>
-            <a:off x="1752600" y="2362200"/>
+            <a:off x="1773237" y="2391441"/>
             <a:ext cx="4856163" cy="3704559"/>
           </a:xfrm>
           <a:prstGeom prst="rect">
@@ -3542,6 +4077,13 @@
   <p:clrMapOvr>
     <a:masterClrMapping/>
   </p:clrMapOvr>
+  <p:timing>
+    <p:tnLst>
+      <p:par>
+        <p:cTn id="1" dur="indefinite" restart="never" nodeType="tmRoot"/>
+      </p:par>
+    </p:tnLst>
+  </p:timing>
 </p:sld>
 </file>
 
@@ -3606,15 +4148,7 @@
             </a:r>
             <a:r>
               <a:rPr lang="en-US" dirty="0"/>
-              <a:t>program causes a user's Web browser to perform an unwanted action on a trusted </a:t>
-            </a:r>
-            <a:r>
-              <a:rPr lang="en-US" b="1" dirty="0"/>
-              <a:t>site</a:t>
-            </a:r>
-            <a:r>
-              <a:rPr lang="en-US" dirty="0"/>
-              <a:t> for which the user is currently authenticated</a:t>
+              <a:t>program causes a user's Web browser to perform an unwanted action on a trusted site for which the user is currently authenticated</a:t>
             </a:r>
             <a:endParaRPr lang="en-US" dirty="0" smtClean="0"/>
           </a:p>
@@ -3640,6 +4174,33 @@
               <a:rPr lang="en-US" dirty="0" smtClean="0"/>
               <a:t>Re-Authentication (Like amazon.com)</a:t>
             </a:r>
+          </a:p>
+          <a:p>
+            <a:r>
+              <a:rPr lang="en-US" dirty="0" smtClean="0"/>
+              <a:t>Anti-</a:t>
+            </a:r>
+            <a:r>
+              <a:rPr lang="en-US" dirty="0" err="1" smtClean="0"/>
+              <a:t>Xsrf</a:t>
+            </a:r>
+            <a:r>
+              <a:rPr lang="en-US" dirty="0" smtClean="0"/>
+              <a:t> </a:t>
+            </a:r>
+            <a:r>
+              <a:rPr lang="en-US" dirty="0" smtClean="0"/>
+              <a:t>Token (</a:t>
+            </a:r>
+            <a:r>
+              <a:rPr lang="en-US" dirty="0" err="1" smtClean="0"/>
+              <a:t>site.master.cs</a:t>
+            </a:r>
+            <a:r>
+              <a:rPr lang="en-US" dirty="0" smtClean="0"/>
+              <a:t>) (See-Surf)</a:t>
+            </a:r>
+            <a:endParaRPr lang="en-US" dirty="0" smtClean="0"/>
           </a:p>
         </p:txBody>
       </p:sp>
@@ -3653,6 +4214,13 @@
   <p:clrMapOvr>
     <a:masterClrMapping/>
   </p:clrMapOvr>
+  <p:timing>
+    <p:tnLst>
+      <p:par>
+        <p:cTn id="1" dur="indefinite" restart="never" nodeType="tmRoot"/>
+      </p:par>
+    </p:tnLst>
+  </p:timing>
 </p:sld>
 </file>
 
@@ -3745,6 +4313,13 @@
   <p:clrMapOvr>
     <a:masterClrMapping/>
   </p:clrMapOvr>
+  <p:timing>
+    <p:tnLst>
+      <p:par>
+        <p:cTn id="1" dur="indefinite" restart="never" nodeType="tmRoot"/>
+      </p:par>
+    </p:tnLst>
+  </p:timing>
 </p:sld>
 </file>
 
@@ -3782,7 +4357,7 @@
           <a:p>
             <a:r>
               <a:rPr lang="en-US" dirty="0" smtClean="0"/>
-              <a:t>General Best Practices</a:t>
+              <a:t>Authentication</a:t>
             </a:r>
             <a:endParaRPr lang="en-US" dirty="0"/>
           </a:p>
@@ -3803,30 +4378,77 @@
           <a:bodyPr/>
           <a:lstStyle/>
           <a:p>
-            <a:r>
-              <a:rPr lang="en-US" dirty="0" smtClean="0"/>
-              <a:t>Don’t give away information - “Your password is invalid” or “username not found”</a:t>
-            </a:r>
-          </a:p>
-          <a:p>
-            <a:r>
-              <a:rPr lang="en-US" dirty="0" smtClean="0"/>
-              <a:t>Don’t be predictable - admin/admin</a:t>
-            </a:r>
-          </a:p>
-          <a:p>
-            <a:r>
-              <a:rPr lang="en-US" dirty="0" smtClean="0"/>
-              <a:t>Always change default creds – </a:t>
-            </a:r>
-            <a:r>
-              <a:rPr lang="en-US" dirty="0" err="1" smtClean="0"/>
-              <a:t>sa</a:t>
-            </a:r>
-            <a:r>
-              <a:rPr lang="en-US" dirty="0" smtClean="0"/>
-              <a:t>/””</a:t>
-            </a:r>
+            <a:pPr marL="342900" lvl="1" indent="-342900">
+              <a:buFont typeface="Arial" panose="020B0604020202020204" pitchFamily="34" charset="0"/>
+              <a:buChar char="•"/>
+            </a:pPr>
+            <a:r>
+              <a:rPr lang="en-US" dirty="0" smtClean="0"/>
+              <a:t>account </a:t>
+            </a:r>
+            <a:r>
+              <a:rPr lang="en-US" dirty="0"/>
+              <a:t>lockout, password history/expiration, etc.</a:t>
+            </a:r>
+          </a:p>
+          <a:p>
+            <a:pPr marL="342900" lvl="1" indent="-342900">
+              <a:buFont typeface="Arial" panose="020B0604020202020204" pitchFamily="34" charset="0"/>
+              <a:buChar char="•"/>
+            </a:pPr>
+            <a:r>
+              <a:rPr lang="en-US" dirty="0"/>
+              <a:t>Multi-factor </a:t>
+            </a:r>
+            <a:r>
+              <a:rPr lang="en-US" dirty="0" smtClean="0"/>
+              <a:t>authentication(bio, phone, flash drive)</a:t>
+            </a:r>
+            <a:endParaRPr lang="en-US" dirty="0"/>
+          </a:p>
+          <a:p>
+            <a:pPr marL="342900" lvl="1" indent="-342900">
+              <a:buFont typeface="Arial" panose="020B0604020202020204" pitchFamily="34" charset="0"/>
+              <a:buChar char="•"/>
+            </a:pPr>
+            <a:r>
+              <a:rPr lang="en-US" dirty="0" smtClean="0"/>
+              <a:t>Storing passwords</a:t>
+            </a:r>
+            <a:endParaRPr lang="en-US" dirty="0"/>
+          </a:p>
+          <a:p>
+            <a:pPr marL="342900" lvl="1" indent="-342900">
+              <a:buFont typeface="Arial" panose="020B0604020202020204" pitchFamily="34" charset="0"/>
+              <a:buChar char="•"/>
+            </a:pPr>
+            <a:r>
+              <a:rPr lang="en-US" dirty="0" smtClean="0"/>
+              <a:t>Password Salt… Yum!</a:t>
+            </a:r>
+            <a:endParaRPr lang="en-US" dirty="0" smtClean="0"/>
+          </a:p>
+          <a:p>
+            <a:pPr marL="342900" lvl="1" indent="-342900">
+              <a:buFont typeface="Arial" panose="020B0604020202020204" pitchFamily="34" charset="0"/>
+              <a:buChar char="•"/>
+            </a:pPr>
+            <a:r>
+              <a:rPr lang="en-US" dirty="0" smtClean="0"/>
+              <a:t>What makes a good password and why do I need one</a:t>
+            </a:r>
+            <a:endParaRPr lang="en-US" dirty="0" smtClean="0"/>
+          </a:p>
+          <a:p>
+            <a:pPr marL="342900" lvl="1" indent="-342900">
+              <a:buFont typeface="Arial" panose="020B0604020202020204" pitchFamily="34" charset="0"/>
+              <a:buChar char="•"/>
+            </a:pPr>
+            <a:r>
+              <a:rPr lang="en-US" dirty="0" smtClean="0"/>
+              <a:t>What is a rainbow table</a:t>
+            </a:r>
+            <a:endParaRPr lang="en-US" dirty="0"/>
           </a:p>
           <a:p>
             <a:endParaRPr lang="en-US" dirty="0"/>
@@ -3836,13 +4458,20 @@
     </p:spTree>
     <p:extLst>
       <p:ext uri="{BB962C8B-B14F-4D97-AF65-F5344CB8AC3E}">
-        <p14:creationId xmlns:p14="http://schemas.microsoft.com/office/powerpoint/2010/main" val="2407966952"/>
+        <p14:creationId xmlns:p14="http://schemas.microsoft.com/office/powerpoint/2010/main" val="3595273246"/>
       </p:ext>
     </p:extLst>
   </p:cSld>
   <p:clrMapOvr>
     <a:masterClrMapping/>
   </p:clrMapOvr>
+  <p:timing>
+    <p:tnLst>
+      <p:par>
+        <p:cTn id="1" dur="indefinite" restart="never" nodeType="tmRoot"/>
+      </p:par>
+    </p:tnLst>
+  </p:timing>
 </p:sld>
 </file>
 
@@ -3880,7 +4509,7 @@
           <a:p>
             <a:r>
               <a:rPr lang="en-US" dirty="0" smtClean="0"/>
-              <a:t>Authentication</a:t>
+              <a:t>General Best Practices</a:t>
             </a:r>
             <a:endParaRPr lang="en-US" dirty="0"/>
           </a:p>
@@ -3898,23 +4527,130 @@
         </p:nvSpPr>
         <p:spPr/>
         <p:txBody>
-          <a:bodyPr/>
-          <a:lstStyle/>
-          <a:p>
-            <a:endParaRPr lang="en-US"/>
+          <a:bodyPr>
+            <a:normAutofit fontScale="85000" lnSpcReduction="20000"/>
+          </a:bodyPr>
+          <a:lstStyle/>
+          <a:p>
+            <a:r>
+              <a:rPr lang="en-US" dirty="0" smtClean="0"/>
+              <a:t>Don’t give away information - “Your password is invalid” or “username not found”</a:t>
+            </a:r>
+          </a:p>
+          <a:p>
+            <a:r>
+              <a:rPr lang="en-US" dirty="0" smtClean="0"/>
+              <a:t>Don’t be predictable - admin/admin</a:t>
+            </a:r>
+          </a:p>
+          <a:p>
+            <a:r>
+              <a:rPr lang="en-US" dirty="0" smtClean="0"/>
+              <a:t>Always change default creds – </a:t>
+            </a:r>
+            <a:r>
+              <a:rPr lang="en-US" dirty="0" err="1" smtClean="0"/>
+              <a:t>sa</a:t>
+            </a:r>
+            <a:r>
+              <a:rPr lang="en-US" dirty="0" smtClean="0"/>
+              <a:t>/””</a:t>
+            </a:r>
+          </a:p>
+          <a:p>
+            <a:r>
+              <a:rPr lang="en-US" dirty="0"/>
+              <a:t> &lt;deployment retail="</a:t>
+            </a:r>
+            <a:r>
+              <a:rPr lang="en-US" dirty="0" smtClean="0"/>
+              <a:t>true“ /&gt; </a:t>
+            </a:r>
+            <a:endParaRPr lang="en-US" dirty="0"/>
+          </a:p>
+          <a:p>
+            <a:pPr lvl="1"/>
+            <a:r>
+              <a:rPr lang="en-US" dirty="0" smtClean="0"/>
+              <a:t>Turn off tracing/use custom errors</a:t>
+            </a:r>
+          </a:p>
+          <a:p>
+            <a:r>
+              <a:rPr lang="en-US" dirty="0" smtClean="0"/>
+              <a:t>Force </a:t>
+            </a:r>
+            <a:r>
+              <a:rPr lang="en-US" dirty="0" smtClean="0"/>
+              <a:t>SSL</a:t>
+            </a:r>
+            <a:endParaRPr lang="en-US" dirty="0"/>
+          </a:p>
+          <a:p>
+            <a:r>
+              <a:rPr lang="en-US" dirty="0" smtClean="0"/>
+              <a:t>Encrypt </a:t>
+            </a:r>
+            <a:r>
+              <a:rPr lang="en-US" dirty="0" err="1" smtClean="0"/>
+              <a:t>web.config</a:t>
+            </a:r>
+            <a:r>
+              <a:rPr lang="en-US" dirty="0" smtClean="0"/>
+              <a:t> </a:t>
+            </a:r>
+          </a:p>
+          <a:p>
+            <a:pPr lvl="1"/>
+            <a:r>
+              <a:rPr lang="en-US" dirty="0"/>
+              <a:t>C:\Windows\Microsoft.NET\Framework\v4.0.30319&gt;aspnet_regiis -</a:t>
+            </a:r>
+            <a:r>
+              <a:rPr lang="en-US" dirty="0" err="1"/>
+              <a:t>pef</a:t>
+            </a:r>
+            <a:r>
+              <a:rPr lang="en-US" dirty="0"/>
+              <a:t> "</a:t>
+            </a:r>
+            <a:r>
+              <a:rPr lang="en-US" dirty="0" err="1" smtClean="0"/>
+              <a:t>connectionStrings</a:t>
+            </a:r>
+            <a:r>
+              <a:rPr lang="en-US" dirty="0"/>
+              <a:t>" </a:t>
+            </a:r>
+            <a:r>
+              <a:rPr lang="en-US" dirty="0" smtClean="0"/>
+              <a:t>"C</a:t>
+            </a:r>
+            <a:r>
+              <a:rPr lang="en-US" dirty="0"/>
+              <a:t>:\Users\mabank\Home\Sandbox\Learning\Security"</a:t>
+            </a:r>
+            <a:endParaRPr lang="en-US" dirty="0" smtClean="0"/>
           </a:p>
         </p:txBody>
       </p:sp>
     </p:spTree>
     <p:extLst>
       <p:ext uri="{BB962C8B-B14F-4D97-AF65-F5344CB8AC3E}">
-        <p14:creationId xmlns:p14="http://schemas.microsoft.com/office/powerpoint/2010/main" val="3595273246"/>
+        <p14:creationId xmlns:p14="http://schemas.microsoft.com/office/powerpoint/2010/main" val="2407966952"/>
       </p:ext>
     </p:extLst>
   </p:cSld>
   <p:clrMapOvr>
     <a:masterClrMapping/>
   </p:clrMapOvr>
+  <p:timing>
+    <p:tnLst>
+      <p:par>
+        <p:cTn id="1" dur="indefinite" restart="never" nodeType="tmRoot"/>
+      </p:par>
+    </p:tnLst>
+  </p:timing>
 </p:sld>
 </file>
 
@@ -4087,6 +4823,13 @@
   <p:clrMapOvr>
     <a:masterClrMapping/>
   </p:clrMapOvr>
+  <p:timing>
+    <p:tnLst>
+      <p:par>
+        <p:cTn id="1" dur="indefinite" restart="never" nodeType="tmRoot"/>
+      </p:par>
+    </p:tnLst>
+  </p:timing>
 </p:sld>
 </file>
 
@@ -4181,6 +4924,13 @@
   <p:clrMapOvr>
     <a:masterClrMapping/>
   </p:clrMapOvr>
+  <p:timing>
+    <p:tnLst>
+      <p:par>
+        <p:cTn id="1" dur="indefinite" restart="never" nodeType="tmRoot"/>
+      </p:par>
+    </p:tnLst>
+  </p:timing>
 </p:sld>
 </file>
 
@@ -4242,33 +4992,57 @@
           <a:lstStyle/>
           <a:p>
             <a:r>
-              <a:rPr lang="en-US" sz="2800" b="1" dirty="0" smtClean="0"/>
-              <a:t>$6 Billion Annually in healthcare alone</a:t>
-            </a:r>
-          </a:p>
-          <a:p>
-            <a:r>
-              <a:rPr lang="en-US" sz="2800" b="1" dirty="0" smtClean="0"/>
+              <a:rPr lang="en-US" sz="2800" dirty="0" smtClean="0"/>
+              <a:t>$6 Billion </a:t>
+            </a:r>
+            <a:r>
+              <a:rPr lang="en-US" sz="2800" dirty="0" smtClean="0"/>
+              <a:t>Annual cost </a:t>
+            </a:r>
+            <a:r>
+              <a:rPr lang="en-US" sz="2800" dirty="0" smtClean="0"/>
+              <a:t>in healthcare alone</a:t>
+            </a:r>
+          </a:p>
+          <a:p>
+            <a:r>
+              <a:rPr lang="en-US" sz="2800" dirty="0" smtClean="0"/>
               <a:t>Attacks against healthcare doubled in 5 years</a:t>
             </a:r>
           </a:p>
           <a:p>
             <a:r>
-              <a:rPr lang="en-US" sz="2800" b="1" dirty="0" smtClean="0"/>
-              <a:t>90% of providers hit with data breaches in past 2 years (source: </a:t>
-            </a:r>
-            <a:r>
-              <a:rPr lang="en-US" sz="2800" b="1" dirty="0" err="1" smtClean="0"/>
+              <a:rPr lang="en-US" sz="2800" dirty="0" smtClean="0"/>
+              <a:t>Nearly </a:t>
+            </a:r>
+            <a:r>
+              <a:rPr lang="en-US" sz="2800" dirty="0" smtClean="0"/>
+              <a:t>90</a:t>
+            </a:r>
+            <a:r>
+              <a:rPr lang="en-US" sz="2800" dirty="0" smtClean="0"/>
+              <a:t>% of </a:t>
+            </a:r>
+            <a:r>
+              <a:rPr lang="en-US" sz="2800" dirty="0" smtClean="0"/>
+              <a:t>heath-care providers </a:t>
+            </a:r>
+            <a:r>
+              <a:rPr lang="en-US" sz="2800" dirty="0" smtClean="0"/>
+              <a:t>hit with data breaches in past 2 years (source: </a:t>
+            </a:r>
+            <a:r>
+              <a:rPr lang="en-US" sz="2800" dirty="0" err="1" smtClean="0"/>
               <a:t>bloomberg</a:t>
             </a:r>
             <a:r>
-              <a:rPr lang="en-US" sz="2800" b="1" dirty="0" smtClean="0"/>
+              <a:rPr lang="en-US" sz="2800" dirty="0" smtClean="0"/>
               <a:t>)</a:t>
             </a:r>
           </a:p>
           <a:p>
             <a:r>
-              <a:rPr lang="en-US" sz="2800" b="1" dirty="0" smtClean="0"/>
+              <a:rPr lang="en-US" sz="2800" dirty="0" smtClean="0"/>
               <a:t>2014 – FBI Warns healthcare is “lax” compared to other sectors</a:t>
             </a:r>
           </a:p>
@@ -4284,6 +5058,13 @@
   <p:clrMapOvr>
     <a:masterClrMapping/>
   </p:clrMapOvr>
+  <p:timing>
+    <p:tnLst>
+      <p:par>
+        <p:cTn id="1" dur="indefinite" restart="never" nodeType="tmRoot"/>
+      </p:par>
+    </p:tnLst>
+  </p:timing>
 </p:sld>
 </file>
 
@@ -4448,6 +5229,13 @@
   <p:clrMapOvr>
     <a:masterClrMapping/>
   </p:clrMapOvr>
+  <p:timing>
+    <p:tnLst>
+      <p:par>
+        <p:cTn id="1" dur="indefinite" restart="never" nodeType="tmRoot"/>
+      </p:par>
+    </p:tnLst>
+  </p:timing>
 </p:sld>
 </file>
 
@@ -4550,6 +5338,13 @@
   <p:clrMapOvr>
     <a:masterClrMapping/>
   </p:clrMapOvr>
+  <p:timing>
+    <p:tnLst>
+      <p:par>
+        <p:cTn id="1" dur="indefinite" restart="never" nodeType="tmRoot"/>
+      </p:par>
+    </p:tnLst>
+  </p:timing>
 </p:sld>
 </file>
 
@@ -4694,6 +5489,13 @@
   <p:clrMapOvr>
     <a:masterClrMapping/>
   </p:clrMapOvr>
+  <p:timing>
+    <p:tnLst>
+      <p:par>
+        <p:cTn id="1" dur="indefinite" restart="never" nodeType="tmRoot"/>
+      </p:par>
+    </p:tnLst>
+  </p:timing>
 </p:sld>
 </file>
 
@@ -4843,6 +5645,13 @@
   <p:clrMapOvr>
     <a:masterClrMapping/>
   </p:clrMapOvr>
+  <p:timing>
+    <p:tnLst>
+      <p:par>
+        <p:cTn id="1" dur="indefinite" restart="never" nodeType="tmRoot"/>
+      </p:par>
+    </p:tnLst>
+  </p:timing>
 </p:sld>
 </file>
 
@@ -4904,6 +5713,16 @@
           <a:lstStyle/>
           <a:p>
             <a:r>
+              <a:rPr lang="en-US" dirty="0"/>
+              <a:t>Social </a:t>
+            </a:r>
+            <a:r>
+              <a:rPr lang="en-US" dirty="0" smtClean="0"/>
+              <a:t>Engineering</a:t>
+            </a:r>
+          </a:p>
+          <a:p>
+            <a:r>
               <a:rPr lang="en-US" dirty="0" smtClean="0"/>
               <a:t>SQL Injection 1*</a:t>
             </a:r>
@@ -4924,12 +5743,6 @@
             <a:r>
               <a:rPr lang="en-US" dirty="0" smtClean="0"/>
               <a:t>Clickjacking</a:t>
-            </a:r>
-          </a:p>
-          <a:p>
-            <a:r>
-              <a:rPr lang="en-US" dirty="0" smtClean="0"/>
-              <a:t>Social Engineering</a:t>
             </a:r>
           </a:p>
           <a:p>
@@ -4961,6 +5774,13 @@
   <p:clrMapOvr>
     <a:masterClrMapping/>
   </p:clrMapOvr>
+  <p:timing>
+    <p:tnLst>
+      <p:par>
+        <p:cTn id="1" dur="indefinite" restart="never" nodeType="tmRoot"/>
+      </p:par>
+    </p:tnLst>
+  </p:timing>
 </p:sld>
 </file>
 
@@ -5028,8 +5848,12 @@
           </a:p>
           <a:p>
             <a:r>
+              <a:rPr lang="en-US" dirty="0" smtClean="0"/>
+              <a:t>Never give </a:t>
+            </a:r>
+            <a:r>
               <a:rPr lang="en-US" dirty="0"/>
-              <a:t>Obviously, never give out confidential information.</a:t>
+              <a:t>out confidential information.</a:t>
             </a:r>
           </a:p>
           <a:p>
@@ -5065,6 +5889,13 @@
   <p:clrMapOvr>
     <a:masterClrMapping/>
   </p:clrMapOvr>
+  <p:timing>
+    <p:tnLst>
+      <p:par>
+        <p:cTn id="1" dur="indefinite" restart="never" nodeType="tmRoot"/>
+      </p:par>
+    </p:tnLst>
+  </p:timing>
 </p:sld>
 </file>
 
@@ -5351,4 +6182,289 @@
   <a:objectDefaults/>
   <a:extraClrSchemeLst/>
 </a:theme>
+</file>
+
+<file path=ppt/theme/theme2.xml><?xml version="1.0" encoding="utf-8"?>
+<a:theme xmlns:a="http://schemas.openxmlformats.org/drawingml/2006/main" name="Office Theme">
+  <a:themeElements>
+    <a:clrScheme name="Office">
+      <a:dk1>
+        <a:sysClr val="windowText" lastClr="000000"/>
+      </a:dk1>
+      <a:lt1>
+        <a:sysClr val="window" lastClr="FFFFFF"/>
+      </a:lt1>
+      <a:dk2>
+        <a:srgbClr val="1F497D"/>
+      </a:dk2>
+      <a:lt2>
+        <a:srgbClr val="EEECE1"/>
+      </a:lt2>
+      <a:accent1>
+        <a:srgbClr val="4F81BD"/>
+      </a:accent1>
+      <a:accent2>
+        <a:srgbClr val="C0504D"/>
+      </a:accent2>
+      <a:accent3>
+        <a:srgbClr val="9BBB59"/>
+      </a:accent3>
+      <a:accent4>
+        <a:srgbClr val="8064A2"/>
+      </a:accent4>
+      <a:accent5>
+        <a:srgbClr val="4BACC6"/>
+      </a:accent5>
+      <a:accent6>
+        <a:srgbClr val="F79646"/>
+      </a:accent6>
+      <a:hlink>
+        <a:srgbClr val="0000FF"/>
+      </a:hlink>
+      <a:folHlink>
+        <a:srgbClr val="800080"/>
+      </a:folHlink>
+    </a:clrScheme>
+    <a:fontScheme name="Office">
+      <a:majorFont>
+        <a:latin typeface="Calibri"/>
+        <a:ea typeface=""/>
+        <a:cs typeface=""/>
+        <a:font script="Jpan" typeface="ＭＳ Ｐゴシック"/>
+        <a:font script="Hang" typeface="맑은 고딕"/>
+        <a:font script="Hans" typeface="宋体"/>
+        <a:font script="Hant" typeface="新細明體"/>
+        <a:font script="Arab" typeface="Times New Roman"/>
+        <a:font script="Hebr" typeface="Times New Roman"/>
+        <a:font script="Thai" typeface="Angsana New"/>
+        <a:font script="Ethi" typeface="Nyala"/>
+        <a:font script="Beng" typeface="Vrinda"/>
+        <a:font script="Gujr" typeface="Shruti"/>
+        <a:font script="Khmr" typeface="MoolBoran"/>
+        <a:font script="Knda" typeface="Tunga"/>
+        <a:font script="Guru" typeface="Raavi"/>
+        <a:font script="Cans" typeface="Euphemia"/>
+        <a:font script="Cher" typeface="Plantagenet Cherokee"/>
+        <a:font script="Yiii" typeface="Microsoft Yi Baiti"/>
+        <a:font script="Tibt" typeface="Microsoft Himalaya"/>
+        <a:font script="Thaa" typeface="MV Boli"/>
+        <a:font script="Deva" typeface="Mangal"/>
+        <a:font script="Telu" typeface="Gautami"/>
+        <a:font script="Taml" typeface="Latha"/>
+        <a:font script="Syrc" typeface="Estrangelo Edessa"/>
+        <a:font script="Orya" typeface="Kalinga"/>
+        <a:font script="Mlym" typeface="Kartika"/>
+        <a:font script="Laoo" typeface="DokChampa"/>
+        <a:font script="Sinh" typeface="Iskoola Pota"/>
+        <a:font script="Mong" typeface="Mongolian Baiti"/>
+        <a:font script="Viet" typeface="Times New Roman"/>
+        <a:font script="Uigh" typeface="Microsoft Uighur"/>
+        <a:font script="Geor" typeface="Sylfaen"/>
+      </a:majorFont>
+      <a:minorFont>
+        <a:latin typeface="Calibri"/>
+        <a:ea typeface=""/>
+        <a:cs typeface=""/>
+        <a:font script="Jpan" typeface="ＭＳ Ｐゴシック"/>
+        <a:font script="Hang" typeface="맑은 고딕"/>
+        <a:font script="Hans" typeface="宋体"/>
+        <a:font script="Hant" typeface="新細明體"/>
+        <a:font script="Arab" typeface="Arial"/>
+        <a:font script="Hebr" typeface="Arial"/>
+        <a:font script="Thai" typeface="Cordia New"/>
+        <a:font script="Ethi" typeface="Nyala"/>
+        <a:font script="Beng" typeface="Vrinda"/>
+        <a:font script="Gujr" typeface="Shruti"/>
+        <a:font script="Khmr" typeface="DaunPenh"/>
+        <a:font script="Knda" typeface="Tunga"/>
+        <a:font script="Guru" typeface="Raavi"/>
+        <a:font script="Cans" typeface="Euphemia"/>
+        <a:font script="Cher" typeface="Plantagenet Cherokee"/>
+        <a:font script="Yiii" typeface="Microsoft Yi Baiti"/>
+        <a:font script="Tibt" typeface="Microsoft Himalaya"/>
+        <a:font script="Thaa" typeface="MV Boli"/>
+        <a:font script="Deva" typeface="Mangal"/>
+        <a:font script="Telu" typeface="Gautami"/>
+        <a:font script="Taml" typeface="Latha"/>
+        <a:font script="Syrc" typeface="Estrangelo Edessa"/>
+        <a:font script="Orya" typeface="Kalinga"/>
+        <a:font script="Mlym" typeface="Kartika"/>
+        <a:font script="Laoo" typeface="DokChampa"/>
+        <a:font script="Sinh" typeface="Iskoola Pota"/>
+        <a:font script="Mong" typeface="Mongolian Baiti"/>
+        <a:font script="Viet" typeface="Arial"/>
+        <a:font script="Uigh" typeface="Microsoft Uighur"/>
+        <a:font script="Geor" typeface="Sylfaen"/>
+      </a:minorFont>
+    </a:fontScheme>
+    <a:fmtScheme name="Office">
+      <a:fillStyleLst>
+        <a:solidFill>
+          <a:schemeClr val="phClr"/>
+        </a:solidFill>
+        <a:gradFill rotWithShape="1">
+          <a:gsLst>
+            <a:gs pos="0">
+              <a:schemeClr val="phClr">
+                <a:tint val="50000"/>
+                <a:satMod val="300000"/>
+              </a:schemeClr>
+            </a:gs>
+            <a:gs pos="35000">
+              <a:schemeClr val="phClr">
+                <a:tint val="37000"/>
+                <a:satMod val="300000"/>
+              </a:schemeClr>
+            </a:gs>
+            <a:gs pos="100000">
+              <a:schemeClr val="phClr">
+                <a:tint val="15000"/>
+                <a:satMod val="350000"/>
+              </a:schemeClr>
+            </a:gs>
+          </a:gsLst>
+          <a:lin ang="16200000" scaled="1"/>
+        </a:gradFill>
+        <a:gradFill rotWithShape="1">
+          <a:gsLst>
+            <a:gs pos="0">
+              <a:schemeClr val="phClr">
+                <a:shade val="51000"/>
+                <a:satMod val="130000"/>
+              </a:schemeClr>
+            </a:gs>
+            <a:gs pos="80000">
+              <a:schemeClr val="phClr">
+                <a:shade val="93000"/>
+                <a:satMod val="130000"/>
+              </a:schemeClr>
+            </a:gs>
+            <a:gs pos="100000">
+              <a:schemeClr val="phClr">
+                <a:shade val="94000"/>
+                <a:satMod val="135000"/>
+              </a:schemeClr>
+            </a:gs>
+          </a:gsLst>
+          <a:lin ang="16200000" scaled="0"/>
+        </a:gradFill>
+      </a:fillStyleLst>
+      <a:lnStyleLst>
+        <a:ln w="9525" cap="flat" cmpd="sng" algn="ctr">
+          <a:solidFill>
+            <a:schemeClr val="phClr">
+              <a:shade val="95000"/>
+              <a:satMod val="105000"/>
+            </a:schemeClr>
+          </a:solidFill>
+          <a:prstDash val="solid"/>
+        </a:ln>
+        <a:ln w="25400" cap="flat" cmpd="sng" algn="ctr">
+          <a:solidFill>
+            <a:schemeClr val="phClr"/>
+          </a:solidFill>
+          <a:prstDash val="solid"/>
+        </a:ln>
+        <a:ln w="38100" cap="flat" cmpd="sng" algn="ctr">
+          <a:solidFill>
+            <a:schemeClr val="phClr"/>
+          </a:solidFill>
+          <a:prstDash val="solid"/>
+        </a:ln>
+      </a:lnStyleLst>
+      <a:effectStyleLst>
+        <a:effectStyle>
+          <a:effectLst>
+            <a:outerShdw blurRad="40000" dist="20000" dir="5400000" rotWithShape="0">
+              <a:srgbClr val="000000">
+                <a:alpha val="38000"/>
+              </a:srgbClr>
+            </a:outerShdw>
+          </a:effectLst>
+        </a:effectStyle>
+        <a:effectStyle>
+          <a:effectLst>
+            <a:outerShdw blurRad="40000" dist="23000" dir="5400000" rotWithShape="0">
+              <a:srgbClr val="000000">
+                <a:alpha val="35000"/>
+              </a:srgbClr>
+            </a:outerShdw>
+          </a:effectLst>
+        </a:effectStyle>
+        <a:effectStyle>
+          <a:effectLst>
+            <a:outerShdw blurRad="40000" dist="23000" dir="5400000" rotWithShape="0">
+              <a:srgbClr val="000000">
+                <a:alpha val="35000"/>
+              </a:srgbClr>
+            </a:outerShdw>
+          </a:effectLst>
+          <a:scene3d>
+            <a:camera prst="orthographicFront">
+              <a:rot lat="0" lon="0" rev="0"/>
+            </a:camera>
+            <a:lightRig rig="threePt" dir="t">
+              <a:rot lat="0" lon="0" rev="1200000"/>
+            </a:lightRig>
+          </a:scene3d>
+          <a:sp3d>
+            <a:bevelT w="63500" h="25400"/>
+          </a:sp3d>
+        </a:effectStyle>
+      </a:effectStyleLst>
+      <a:bgFillStyleLst>
+        <a:solidFill>
+          <a:schemeClr val="phClr"/>
+        </a:solidFill>
+        <a:gradFill rotWithShape="1">
+          <a:gsLst>
+            <a:gs pos="0">
+              <a:schemeClr val="phClr">
+                <a:tint val="40000"/>
+                <a:satMod val="350000"/>
+              </a:schemeClr>
+            </a:gs>
+            <a:gs pos="40000">
+              <a:schemeClr val="phClr">
+                <a:tint val="45000"/>
+                <a:shade val="99000"/>
+                <a:satMod val="350000"/>
+              </a:schemeClr>
+            </a:gs>
+            <a:gs pos="100000">
+              <a:schemeClr val="phClr">
+                <a:shade val="20000"/>
+                <a:satMod val="255000"/>
+              </a:schemeClr>
+            </a:gs>
+          </a:gsLst>
+          <a:path path="circle">
+            <a:fillToRect l="50000" t="-80000" r="50000" b="180000"/>
+          </a:path>
+        </a:gradFill>
+        <a:gradFill rotWithShape="1">
+          <a:gsLst>
+            <a:gs pos="0">
+              <a:schemeClr val="phClr">
+                <a:tint val="80000"/>
+                <a:satMod val="300000"/>
+              </a:schemeClr>
+            </a:gs>
+            <a:gs pos="100000">
+              <a:schemeClr val="phClr">
+                <a:shade val="30000"/>
+                <a:satMod val="200000"/>
+              </a:schemeClr>
+            </a:gs>
+          </a:gsLst>
+          <a:path path="circle">
+            <a:fillToRect l="50000" t="50000" r="50000" b="50000"/>
+          </a:path>
+        </a:gradFill>
+      </a:bgFillStyleLst>
+    </a:fmtScheme>
+  </a:themeElements>
+  <a:objectDefaults/>
+  <a:extraClrSchemeLst/>
+</a:theme>
 </file>
--- a/Security/Content/Documents/Security.pptx
+++ b/Security/Content/Documents/Security.pptx
@@ -5,7 +5,7 @@
     <p:sldMasterId id="2147483648" r:id="rId1"/>
   </p:sldMasterIdLst>
   <p:notesMasterIdLst>
-    <p:notesMasterId r:id="rId19"/>
+    <p:notesMasterId r:id="rId20"/>
   </p:notesMasterIdLst>
   <p:sldIdLst>
     <p:sldId id="256" r:id="rId2"/>
@@ -24,7 +24,8 @@
     <p:sldId id="267" r:id="rId15"/>
     <p:sldId id="269" r:id="rId16"/>
     <p:sldId id="265" r:id="rId17"/>
-    <p:sldId id="271" r:id="rId18"/>
+    <p:sldId id="273" r:id="rId18"/>
+    <p:sldId id="271" r:id="rId19"/>
   </p:sldIdLst>
   <p:sldSz cx="9144000" cy="6858000" type="screen4x3"/>
   <p:notesSz cx="6858000" cy="9144000"/>
@@ -3578,9 +3579,51 @@
           </a:p>
         </p:txBody>
       </p:sp>
+      <p:sp>
+        <p:nvSpPr>
+          <p:cNvPr id="4" name="TextBox 3"/>
+          <p:cNvSpPr txBox="1"/>
+          <p:nvPr/>
+        </p:nvSpPr>
+        <p:spPr>
+          <a:xfrm>
+            <a:off x="2308663" y="4800600"/>
+            <a:ext cx="4701737" cy="1415772"/>
+          </a:xfrm>
+          <a:prstGeom prst="rect">
+            <a:avLst/>
+          </a:prstGeom>
+          <a:noFill/>
+        </p:spPr>
+        <p:txBody>
+          <a:bodyPr wrap="square" rtlCol="0">
+            <a:spAutoFit/>
+          </a:bodyPr>
+          <a:lstStyle/>
+          <a:p>
+            <a:pPr algn="ctr"/>
+            <a:r>
+              <a:rPr lang="en-US" sz="5400" dirty="0" smtClean="0"/>
+              <a:t>Security</a:t>
+            </a:r>
+            <a:r>
+              <a:rPr lang="en-US" sz="3200" dirty="0" smtClean="0"/>
+              <a:t/>
+            </a:r>
+            <a:br>
+              <a:rPr lang="en-US" sz="3200" dirty="0" smtClean="0"/>
+            </a:br>
+            <a:r>
+              <a:rPr lang="en-US" sz="3200" dirty="0" smtClean="0"/>
+              <a:t>The Internet and you.</a:t>
+            </a:r>
+            <a:endParaRPr lang="en-US" sz="3200" dirty="0"/>
+          </a:p>
+        </p:txBody>
+      </p:sp>
       <p:pic>
         <p:nvPicPr>
-          <p:cNvPr id="1026" name="Picture 2" descr="C:\Users\mabank\Downloads\bouncer_big.jpg"/>
+          <p:cNvPr id="3" name="Picture 2" descr="C:\Users\mabank\Downloads\anonymous.jpg"/>
           <p:cNvPicPr>
             <a:picLocks noChangeAspect="1" noChangeArrowheads="1"/>
           </p:cNvPicPr>
@@ -3601,8 +3644,8 @@
         </p:blipFill>
         <p:spPr bwMode="auto">
           <a:xfrm>
-            <a:off x="1295400" y="0"/>
-            <a:ext cx="6400800" cy="4610100"/>
+            <a:off x="914401" y="381000"/>
+            <a:ext cx="7315200" cy="4648200"/>
           </a:xfrm>
           <a:prstGeom prst="rect">
             <a:avLst/>
@@ -3619,48 +3662,6 @@
           </a:extLst>
         </p:spPr>
       </p:pic>
-      <p:sp>
-        <p:nvSpPr>
-          <p:cNvPr id="4" name="TextBox 3"/>
-          <p:cNvSpPr txBox="1"/>
-          <p:nvPr/>
-        </p:nvSpPr>
-        <p:spPr>
-          <a:xfrm>
-            <a:off x="2308663" y="4800600"/>
-            <a:ext cx="4701737" cy="1415772"/>
-          </a:xfrm>
-          <a:prstGeom prst="rect">
-            <a:avLst/>
-          </a:prstGeom>
-          <a:noFill/>
-        </p:spPr>
-        <p:txBody>
-          <a:bodyPr wrap="square" rtlCol="0">
-            <a:spAutoFit/>
-          </a:bodyPr>
-          <a:lstStyle/>
-          <a:p>
-            <a:pPr algn="ctr"/>
-            <a:r>
-              <a:rPr lang="en-US" sz="5400" dirty="0" smtClean="0"/>
-              <a:t>Security</a:t>
-            </a:r>
-            <a:r>
-              <a:rPr lang="en-US" sz="3200" dirty="0" smtClean="0"/>
-              <a:t/>
-            </a:r>
-            <a:br>
-              <a:rPr lang="en-US" sz="3200" dirty="0" smtClean="0"/>
-            </a:br>
-            <a:r>
-              <a:rPr lang="en-US" sz="3200" dirty="0" smtClean="0"/>
-              <a:t>The Internet and you.</a:t>
-            </a:r>
-            <a:endParaRPr lang="en-US" sz="3200" dirty="0"/>
-          </a:p>
-        </p:txBody>
-      </p:sp>
     </p:spTree>
     <p:extLst>
       <p:ext uri="{BB962C8B-B14F-4D97-AF65-F5344CB8AC3E}">
@@ -4655,6 +4656,88 @@
 </file>
 
 <file path=ppt/slides/slide17.xml><?xml version="1.0" encoding="utf-8"?>
+<p:sld xmlns:a="http://schemas.openxmlformats.org/drawingml/2006/main" xmlns:r="http://schemas.openxmlformats.org/officeDocument/2006/relationships" xmlns:p="http://schemas.openxmlformats.org/presentationml/2006/main">
+  <p:cSld>
+    <p:spTree>
+      <p:nvGrpSpPr>
+        <p:cNvPr id="1" name=""/>
+        <p:cNvGrpSpPr/>
+        <p:nvPr/>
+      </p:nvGrpSpPr>
+      <p:grpSpPr>
+        <a:xfrm>
+          <a:off x="0" y="0"/>
+          <a:ext cx="0" cy="0"/>
+          <a:chOff x="0" y="0"/>
+          <a:chExt cx="0" cy="0"/>
+        </a:xfrm>
+      </p:grpSpPr>
+      <p:sp>
+        <p:nvSpPr>
+          <p:cNvPr id="2" name="Title 1"/>
+          <p:cNvSpPr>
+            <a:spLocks noGrp="1"/>
+          </p:cNvSpPr>
+          <p:nvPr>
+            <p:ph type="title"/>
+          </p:nvPr>
+        </p:nvSpPr>
+        <p:spPr/>
+        <p:txBody>
+          <a:bodyPr/>
+          <a:lstStyle/>
+          <a:p>
+            <a:r>
+              <a:rPr lang="en-US" dirty="0" smtClean="0"/>
+              <a:t>Extra Credit - Was my site secure?</a:t>
+            </a:r>
+            <a:endParaRPr lang="en-US" dirty="0"/>
+          </a:p>
+        </p:txBody>
+      </p:sp>
+      <p:sp>
+        <p:nvSpPr>
+          <p:cNvPr id="3" name="Content Placeholder 2"/>
+          <p:cNvSpPr>
+            <a:spLocks noGrp="1"/>
+          </p:cNvSpPr>
+          <p:nvPr>
+            <p:ph idx="1"/>
+          </p:nvPr>
+        </p:nvSpPr>
+        <p:spPr/>
+        <p:txBody>
+          <a:bodyPr/>
+          <a:lstStyle/>
+          <a:p>
+            <a:r>
+              <a:rPr lang="en-US" dirty="0" smtClean="0"/>
+              <a:t>What were some vulnerabilities you saw in my site during the demo?</a:t>
+            </a:r>
+          </a:p>
+          <a:p>
+            <a:r>
+              <a:rPr lang="en-US" dirty="0" smtClean="0"/>
+              <a:t>Are OUR sites secure?  Look for vulnerabilities where it matters.</a:t>
+            </a:r>
+            <a:endParaRPr lang="en-US" dirty="0"/>
+          </a:p>
+        </p:txBody>
+      </p:sp>
+    </p:spTree>
+    <p:extLst>
+      <p:ext uri="{BB962C8B-B14F-4D97-AF65-F5344CB8AC3E}">
+        <p14:creationId xmlns:p14="http://schemas.microsoft.com/office/powerpoint/2010/main" val="550167488"/>
+      </p:ext>
+    </p:extLst>
+  </p:cSld>
+  <p:clrMapOvr>
+    <a:masterClrMapping/>
+  </p:clrMapOvr>
+</p:sld>
+</file>
+
+<file path=ppt/slides/slide18.xml><?xml version="1.0" encoding="utf-8"?>
 <p:sld xmlns:a="http://schemas.openxmlformats.org/drawingml/2006/main" xmlns:r="http://schemas.openxmlformats.org/officeDocument/2006/relationships" xmlns:p="http://schemas.openxmlformats.org/presentationml/2006/main">
   <p:cSld>
     <p:spTree>
